--- a/Project Presentation.pptx
+++ b/Project Presentation.pptx
@@ -5,7 +5,7 @@
     <p:sldMasterId id="2147483659" r:id="rId1"/>
   </p:sldMasterIdLst>
   <p:notesMasterIdLst>
-    <p:notesMasterId r:id="rId24"/>
+    <p:notesMasterId r:id="rId20"/>
   </p:notesMasterIdLst>
   <p:sldIdLst>
     <p:sldId id="256" r:id="rId2"/>
@@ -18,28 +18,24 @@
     <p:sldId id="261" r:id="rId9"/>
     <p:sldId id="262" r:id="rId10"/>
     <p:sldId id="263" r:id="rId11"/>
-    <p:sldId id="264" r:id="rId12"/>
-    <p:sldId id="265" r:id="rId13"/>
-    <p:sldId id="266" r:id="rId14"/>
-    <p:sldId id="267" r:id="rId15"/>
-    <p:sldId id="268" r:id="rId16"/>
-    <p:sldId id="269" r:id="rId17"/>
-    <p:sldId id="270" r:id="rId18"/>
-    <p:sldId id="271" r:id="rId19"/>
-    <p:sldId id="272" r:id="rId20"/>
-    <p:sldId id="273" r:id="rId21"/>
-    <p:sldId id="274" r:id="rId22"/>
-    <p:sldId id="275" r:id="rId23"/>
+    <p:sldId id="278" r:id="rId12"/>
+    <p:sldId id="279" r:id="rId13"/>
+    <p:sldId id="264" r:id="rId14"/>
+    <p:sldId id="265" r:id="rId15"/>
+    <p:sldId id="280" r:id="rId16"/>
+    <p:sldId id="281" r:id="rId17"/>
+    <p:sldId id="266" r:id="rId18"/>
+    <p:sldId id="267" r:id="rId19"/>
   </p:sldIdLst>
   <p:sldSz cx="9144000" cy="5143500" type="screen16x9"/>
   <p:notesSz cx="6858000" cy="9144000"/>
   <p:embeddedFontLst>
     <p:embeddedFont>
       <p:font typeface="Montserrat" panose="00000500000000000000" pitchFamily="2" charset="0"/>
-      <p:regular r:id="rId25"/>
-      <p:bold r:id="rId26"/>
-      <p:italic r:id="rId27"/>
-      <p:boldItalic r:id="rId28"/>
+      <p:regular r:id="rId21"/>
+      <p:bold r:id="rId22"/>
+      <p:italic r:id="rId23"/>
+      <p:boldItalic r:id="rId24"/>
     </p:embeddedFont>
   </p:embeddedFontLst>
   <p:defaultTextStyle>
@@ -1017,7 +1013,7 @@
         </p:nvSpPr>
         <p:spPr>
           <a:xfrm>
-            <a:off x="381300" y="685800"/>
+            <a:off x="381000" y="685800"/>
             <a:ext cx="6096000" cy="3429000"/>
           </a:xfrm>
           <a:custGeom>
@@ -1144,7 +1140,7 @@
         </p:nvSpPr>
         <p:spPr>
           <a:xfrm>
-            <a:off x="381300" y="685800"/>
+            <a:off x="381000" y="685800"/>
             <a:ext cx="6096000" cy="3429000"/>
           </a:xfrm>
           <a:custGeom>
@@ -1232,7 +1228,7 @@
     </p:spTree>
     <p:extLst>
       <p:ext uri="{BB962C8B-B14F-4D97-AF65-F5344CB8AC3E}">
-        <p14:creationId xmlns:p14="http://schemas.microsoft.com/office/powerpoint/2010/main" val="458181626"/>
+        <p14:creationId xmlns:p14="http://schemas.microsoft.com/office/powerpoint/2010/main" val="1927382320"/>
       </p:ext>
     </p:extLst>
   </p:cSld>
@@ -1271,7 +1267,7 @@
         </p:nvSpPr>
         <p:spPr>
           <a:xfrm>
-            <a:off x="381300" y="685800"/>
+            <a:off x="381000" y="685800"/>
             <a:ext cx="6096000" cy="3429000"/>
           </a:xfrm>
           <a:custGeom>
@@ -1359,7 +1355,7 @@
     </p:spTree>
     <p:extLst>
       <p:ext uri="{BB962C8B-B14F-4D97-AF65-F5344CB8AC3E}">
-        <p14:creationId xmlns:p14="http://schemas.microsoft.com/office/powerpoint/2010/main" val="4141830920"/>
+        <p14:creationId xmlns:p14="http://schemas.microsoft.com/office/powerpoint/2010/main" val="1218781158"/>
       </p:ext>
     </p:extLst>
   </p:cSld>
@@ -1398,7 +1394,7 @@
         </p:nvSpPr>
         <p:spPr>
           <a:xfrm>
-            <a:off x="381300" y="685800"/>
+            <a:off x="381000" y="685800"/>
             <a:ext cx="6096000" cy="3429000"/>
           </a:xfrm>
           <a:custGeom>
@@ -1486,7 +1482,7 @@
     </p:spTree>
     <p:extLst>
       <p:ext uri="{BB962C8B-B14F-4D97-AF65-F5344CB8AC3E}">
-        <p14:creationId xmlns:p14="http://schemas.microsoft.com/office/powerpoint/2010/main" val="4258322430"/>
+        <p14:creationId xmlns:p14="http://schemas.microsoft.com/office/powerpoint/2010/main" val="458181626"/>
       </p:ext>
     </p:extLst>
   </p:cSld>
@@ -1525,7 +1521,7 @@
         </p:nvSpPr>
         <p:spPr>
           <a:xfrm>
-            <a:off x="381300" y="685800"/>
+            <a:off x="381000" y="685800"/>
             <a:ext cx="6096000" cy="3429000"/>
           </a:xfrm>
           <a:custGeom>
@@ -1613,7 +1609,7 @@
     </p:spTree>
     <p:extLst>
       <p:ext uri="{BB962C8B-B14F-4D97-AF65-F5344CB8AC3E}">
-        <p14:creationId xmlns:p14="http://schemas.microsoft.com/office/powerpoint/2010/main" val="357467389"/>
+        <p14:creationId xmlns:p14="http://schemas.microsoft.com/office/powerpoint/2010/main" val="4141830920"/>
       </p:ext>
     </p:extLst>
   </p:cSld>
@@ -1652,7 +1648,7 @@
         </p:nvSpPr>
         <p:spPr>
           <a:xfrm>
-            <a:off x="381300" y="685800"/>
+            <a:off x="381000" y="685800"/>
             <a:ext cx="6096000" cy="3429000"/>
           </a:xfrm>
           <a:custGeom>
@@ -1740,7 +1736,7 @@
     </p:spTree>
     <p:extLst>
       <p:ext uri="{BB962C8B-B14F-4D97-AF65-F5344CB8AC3E}">
-        <p14:creationId xmlns:p14="http://schemas.microsoft.com/office/powerpoint/2010/main" val="3108315923"/>
+        <p14:creationId xmlns:p14="http://schemas.microsoft.com/office/powerpoint/2010/main" val="2975364483"/>
       </p:ext>
     </p:extLst>
   </p:cSld>
@@ -1779,7 +1775,7 @@
         </p:nvSpPr>
         <p:spPr>
           <a:xfrm>
-            <a:off x="381300" y="685800"/>
+            <a:off x="381000" y="685800"/>
             <a:ext cx="6096000" cy="3429000"/>
           </a:xfrm>
           <a:custGeom>
@@ -1867,7 +1863,7 @@
     </p:spTree>
     <p:extLst>
       <p:ext uri="{BB962C8B-B14F-4D97-AF65-F5344CB8AC3E}">
-        <p14:creationId xmlns:p14="http://schemas.microsoft.com/office/powerpoint/2010/main" val="1329846930"/>
+        <p14:creationId xmlns:p14="http://schemas.microsoft.com/office/powerpoint/2010/main" val="4258322430"/>
       </p:ext>
     </p:extLst>
   </p:cSld>
@@ -1906,7 +1902,7 @@
         </p:nvSpPr>
         <p:spPr>
           <a:xfrm>
-            <a:off x="381300" y="685800"/>
+            <a:off x="381000" y="685800"/>
             <a:ext cx="6096000" cy="3429000"/>
           </a:xfrm>
           <a:custGeom>
@@ -1994,261 +1990,7 @@
     </p:spTree>
     <p:extLst>
       <p:ext uri="{BB962C8B-B14F-4D97-AF65-F5344CB8AC3E}">
-        <p14:creationId xmlns:p14="http://schemas.microsoft.com/office/powerpoint/2010/main" val="2283019531"/>
-      </p:ext>
-    </p:extLst>
-  </p:cSld>
-  <p:clrMapOvr>
-    <a:masterClrMapping/>
-  </p:clrMapOvr>
-</p:notes>
-</file>
-
-<file path=ppt/notesSlides/notesSlide18.xml><?xml version="1.0" encoding="utf-8"?>
-<p:notes xmlns:a="http://schemas.openxmlformats.org/drawingml/2006/main" xmlns:r="http://schemas.openxmlformats.org/officeDocument/2006/relationships" xmlns:p="http://schemas.openxmlformats.org/presentationml/2006/main" showMasterSp="0" showMasterPhAnim="0">
-  <p:cSld>
-    <p:spTree>
-      <p:nvGrpSpPr>
-        <p:cNvPr id="1" name="Shape 56"/>
-        <p:cNvGrpSpPr/>
-        <p:nvPr/>
-      </p:nvGrpSpPr>
-      <p:grpSpPr>
-        <a:xfrm>
-          <a:off x="0" y="0"/>
-          <a:ext cx="0" cy="0"/>
-          <a:chOff x="0" y="0"/>
-          <a:chExt cx="0" cy="0"/>
-        </a:xfrm>
-      </p:grpSpPr>
-      <p:sp>
-        <p:nvSpPr>
-          <p:cNvPr id="57" name="Google Shape;57;gbd08f57e3d_0_0:notes"/>
-          <p:cNvSpPr>
-            <a:spLocks noGrp="1" noRot="1" noChangeAspect="1"/>
-          </p:cNvSpPr>
-          <p:nvPr>
-            <p:ph type="sldImg" idx="2"/>
-          </p:nvPr>
-        </p:nvSpPr>
-        <p:spPr>
-          <a:xfrm>
-            <a:off x="381300" y="685800"/>
-            <a:ext cx="6096000" cy="3429000"/>
-          </a:xfrm>
-          <a:custGeom>
-            <a:avLst/>
-            <a:gdLst/>
-            <a:ahLst/>
-            <a:cxnLst/>
-            <a:rect l="l" t="t" r="r" b="b"/>
-            <a:pathLst>
-              <a:path w="120000" h="120000" extrusionOk="0">
-                <a:moveTo>
-                  <a:pt x="0" y="0"/>
-                </a:moveTo>
-                <a:lnTo>
-                  <a:pt x="120000" y="0"/>
-                </a:lnTo>
-                <a:lnTo>
-                  <a:pt x="120000" y="120000"/>
-                </a:lnTo>
-                <a:lnTo>
-                  <a:pt x="0" y="120000"/>
-                </a:lnTo>
-                <a:close/>
-              </a:path>
-            </a:pathLst>
-          </a:custGeom>
-          <a:noFill/>
-          <a:ln w="9525" cap="flat" cmpd="sng">
-            <a:solidFill>
-              <a:srgbClr val="000000"/>
-            </a:solidFill>
-            <a:prstDash val="solid"/>
-            <a:round/>
-            <a:headEnd type="none" w="sm" len="sm"/>
-            <a:tailEnd type="none" w="sm" len="sm"/>
-          </a:ln>
-        </p:spPr>
-      </p:sp>
-      <p:sp>
-        <p:nvSpPr>
-          <p:cNvPr id="58" name="Google Shape;58;gbd08f57e3d_0_0:notes"/>
-          <p:cNvSpPr txBox="1">
-            <a:spLocks noGrp="1"/>
-          </p:cNvSpPr>
-          <p:nvPr>
-            <p:ph type="body" idx="1"/>
-          </p:nvPr>
-        </p:nvSpPr>
-        <p:spPr>
-          <a:xfrm>
-            <a:off x="685800" y="4343400"/>
-            <a:ext cx="5486400" cy="4114800"/>
-          </a:xfrm>
-          <a:prstGeom prst="rect">
-            <a:avLst/>
-          </a:prstGeom>
-          <a:noFill/>
-          <a:ln>
-            <a:noFill/>
-          </a:ln>
-        </p:spPr>
-        <p:txBody>
-          <a:bodyPr spcFirstLastPara="1" wrap="square" lIns="91425" tIns="91425" rIns="91425" bIns="91425" anchor="t" anchorCtr="0">
-            <a:noAutofit/>
-          </a:bodyPr>
-          <a:lstStyle/>
-          <a:p>
-            <a:pPr marL="0" lvl="0" indent="0" algn="l" rtl="0">
-              <a:lnSpc>
-                <a:spcPct val="100000"/>
-              </a:lnSpc>
-              <a:spcBef>
-                <a:spcPts val="0"/>
-              </a:spcBef>
-              <a:spcAft>
-                <a:spcPts val="0"/>
-              </a:spcAft>
-              <a:buSzPts val="1100"/>
-              <a:buNone/>
-            </a:pPr>
-            <a:endParaRPr/>
-          </a:p>
-        </p:txBody>
-      </p:sp>
-    </p:spTree>
-    <p:extLst>
-      <p:ext uri="{BB962C8B-B14F-4D97-AF65-F5344CB8AC3E}">
-        <p14:creationId xmlns:p14="http://schemas.microsoft.com/office/powerpoint/2010/main" val="186202106"/>
-      </p:ext>
-    </p:extLst>
-  </p:cSld>
-  <p:clrMapOvr>
-    <a:masterClrMapping/>
-  </p:clrMapOvr>
-</p:notes>
-</file>
-
-<file path=ppt/notesSlides/notesSlide19.xml><?xml version="1.0" encoding="utf-8"?>
-<p:notes xmlns:a="http://schemas.openxmlformats.org/drawingml/2006/main" xmlns:r="http://schemas.openxmlformats.org/officeDocument/2006/relationships" xmlns:p="http://schemas.openxmlformats.org/presentationml/2006/main" showMasterSp="0" showMasterPhAnim="0">
-  <p:cSld>
-    <p:spTree>
-      <p:nvGrpSpPr>
-        <p:cNvPr id="1" name="Shape 56"/>
-        <p:cNvGrpSpPr/>
-        <p:nvPr/>
-      </p:nvGrpSpPr>
-      <p:grpSpPr>
-        <a:xfrm>
-          <a:off x="0" y="0"/>
-          <a:ext cx="0" cy="0"/>
-          <a:chOff x="0" y="0"/>
-          <a:chExt cx="0" cy="0"/>
-        </a:xfrm>
-      </p:grpSpPr>
-      <p:sp>
-        <p:nvSpPr>
-          <p:cNvPr id="57" name="Google Shape;57;gbd08f57e3d_0_0:notes"/>
-          <p:cNvSpPr>
-            <a:spLocks noGrp="1" noRot="1" noChangeAspect="1"/>
-          </p:cNvSpPr>
-          <p:nvPr>
-            <p:ph type="sldImg" idx="2"/>
-          </p:nvPr>
-        </p:nvSpPr>
-        <p:spPr>
-          <a:xfrm>
-            <a:off x="381300" y="685800"/>
-            <a:ext cx="6096000" cy="3429000"/>
-          </a:xfrm>
-          <a:custGeom>
-            <a:avLst/>
-            <a:gdLst/>
-            <a:ahLst/>
-            <a:cxnLst/>
-            <a:rect l="l" t="t" r="r" b="b"/>
-            <a:pathLst>
-              <a:path w="120000" h="120000" extrusionOk="0">
-                <a:moveTo>
-                  <a:pt x="0" y="0"/>
-                </a:moveTo>
-                <a:lnTo>
-                  <a:pt x="120000" y="0"/>
-                </a:lnTo>
-                <a:lnTo>
-                  <a:pt x="120000" y="120000"/>
-                </a:lnTo>
-                <a:lnTo>
-                  <a:pt x="0" y="120000"/>
-                </a:lnTo>
-                <a:close/>
-              </a:path>
-            </a:pathLst>
-          </a:custGeom>
-          <a:noFill/>
-          <a:ln w="9525" cap="flat" cmpd="sng">
-            <a:solidFill>
-              <a:srgbClr val="000000"/>
-            </a:solidFill>
-            <a:prstDash val="solid"/>
-            <a:round/>
-            <a:headEnd type="none" w="sm" len="sm"/>
-            <a:tailEnd type="none" w="sm" len="sm"/>
-          </a:ln>
-        </p:spPr>
-      </p:sp>
-      <p:sp>
-        <p:nvSpPr>
-          <p:cNvPr id="58" name="Google Shape;58;gbd08f57e3d_0_0:notes"/>
-          <p:cNvSpPr txBox="1">
-            <a:spLocks noGrp="1"/>
-          </p:cNvSpPr>
-          <p:nvPr>
-            <p:ph type="body" idx="1"/>
-          </p:nvPr>
-        </p:nvSpPr>
-        <p:spPr>
-          <a:xfrm>
-            <a:off x="685800" y="4343400"/>
-            <a:ext cx="5486400" cy="4114800"/>
-          </a:xfrm>
-          <a:prstGeom prst="rect">
-            <a:avLst/>
-          </a:prstGeom>
-          <a:noFill/>
-          <a:ln>
-            <a:noFill/>
-          </a:ln>
-        </p:spPr>
-        <p:txBody>
-          <a:bodyPr spcFirstLastPara="1" wrap="square" lIns="91425" tIns="91425" rIns="91425" bIns="91425" anchor="t" anchorCtr="0">
-            <a:noAutofit/>
-          </a:bodyPr>
-          <a:lstStyle/>
-          <a:p>
-            <a:pPr marL="0" lvl="0" indent="0" algn="l" rtl="0">
-              <a:lnSpc>
-                <a:spcPct val="100000"/>
-              </a:lnSpc>
-              <a:spcBef>
-                <a:spcPts val="0"/>
-              </a:spcBef>
-              <a:spcAft>
-                <a:spcPts val="0"/>
-              </a:spcAft>
-              <a:buSzPts val="1100"/>
-              <a:buNone/>
-            </a:pPr>
-            <a:endParaRPr/>
-          </a:p>
-        </p:txBody>
-      </p:sp>
-    </p:spTree>
-    <p:extLst>
-      <p:ext uri="{BB962C8B-B14F-4D97-AF65-F5344CB8AC3E}">
-        <p14:creationId xmlns:p14="http://schemas.microsoft.com/office/powerpoint/2010/main" val="1978590534"/>
+        <p14:creationId xmlns:p14="http://schemas.microsoft.com/office/powerpoint/2010/main" val="357467389"/>
       </p:ext>
     </p:extLst>
   </p:cSld>
@@ -2373,387 +2115,6 @@
         </p:txBody>
       </p:sp>
     </p:spTree>
-  </p:cSld>
-  <p:clrMapOvr>
-    <a:masterClrMapping/>
-  </p:clrMapOvr>
-</p:notes>
-</file>
-
-<file path=ppt/notesSlides/notesSlide20.xml><?xml version="1.0" encoding="utf-8"?>
-<p:notes xmlns:a="http://schemas.openxmlformats.org/drawingml/2006/main" xmlns:r="http://schemas.openxmlformats.org/officeDocument/2006/relationships" xmlns:p="http://schemas.openxmlformats.org/presentationml/2006/main" showMasterSp="0" showMasterPhAnim="0">
-  <p:cSld>
-    <p:spTree>
-      <p:nvGrpSpPr>
-        <p:cNvPr id="1" name="Shape 56"/>
-        <p:cNvGrpSpPr/>
-        <p:nvPr/>
-      </p:nvGrpSpPr>
-      <p:grpSpPr>
-        <a:xfrm>
-          <a:off x="0" y="0"/>
-          <a:ext cx="0" cy="0"/>
-          <a:chOff x="0" y="0"/>
-          <a:chExt cx="0" cy="0"/>
-        </a:xfrm>
-      </p:grpSpPr>
-      <p:sp>
-        <p:nvSpPr>
-          <p:cNvPr id="57" name="Google Shape;57;gbd08f57e3d_0_0:notes"/>
-          <p:cNvSpPr>
-            <a:spLocks noGrp="1" noRot="1" noChangeAspect="1"/>
-          </p:cNvSpPr>
-          <p:nvPr>
-            <p:ph type="sldImg" idx="2"/>
-          </p:nvPr>
-        </p:nvSpPr>
-        <p:spPr>
-          <a:xfrm>
-            <a:off x="381300" y="685800"/>
-            <a:ext cx="6096000" cy="3429000"/>
-          </a:xfrm>
-          <a:custGeom>
-            <a:avLst/>
-            <a:gdLst/>
-            <a:ahLst/>
-            <a:cxnLst/>
-            <a:rect l="l" t="t" r="r" b="b"/>
-            <a:pathLst>
-              <a:path w="120000" h="120000" extrusionOk="0">
-                <a:moveTo>
-                  <a:pt x="0" y="0"/>
-                </a:moveTo>
-                <a:lnTo>
-                  <a:pt x="120000" y="0"/>
-                </a:lnTo>
-                <a:lnTo>
-                  <a:pt x="120000" y="120000"/>
-                </a:lnTo>
-                <a:lnTo>
-                  <a:pt x="0" y="120000"/>
-                </a:lnTo>
-                <a:close/>
-              </a:path>
-            </a:pathLst>
-          </a:custGeom>
-          <a:noFill/>
-          <a:ln w="9525" cap="flat" cmpd="sng">
-            <a:solidFill>
-              <a:srgbClr val="000000"/>
-            </a:solidFill>
-            <a:prstDash val="solid"/>
-            <a:round/>
-            <a:headEnd type="none" w="sm" len="sm"/>
-            <a:tailEnd type="none" w="sm" len="sm"/>
-          </a:ln>
-        </p:spPr>
-      </p:sp>
-      <p:sp>
-        <p:nvSpPr>
-          <p:cNvPr id="58" name="Google Shape;58;gbd08f57e3d_0_0:notes"/>
-          <p:cNvSpPr txBox="1">
-            <a:spLocks noGrp="1"/>
-          </p:cNvSpPr>
-          <p:nvPr>
-            <p:ph type="body" idx="1"/>
-          </p:nvPr>
-        </p:nvSpPr>
-        <p:spPr>
-          <a:xfrm>
-            <a:off x="685800" y="4343400"/>
-            <a:ext cx="5486400" cy="4114800"/>
-          </a:xfrm>
-          <a:prstGeom prst="rect">
-            <a:avLst/>
-          </a:prstGeom>
-          <a:noFill/>
-          <a:ln>
-            <a:noFill/>
-          </a:ln>
-        </p:spPr>
-        <p:txBody>
-          <a:bodyPr spcFirstLastPara="1" wrap="square" lIns="91425" tIns="91425" rIns="91425" bIns="91425" anchor="t" anchorCtr="0">
-            <a:noAutofit/>
-          </a:bodyPr>
-          <a:lstStyle/>
-          <a:p>
-            <a:pPr marL="0" lvl="0" indent="0" algn="l" rtl="0">
-              <a:lnSpc>
-                <a:spcPct val="100000"/>
-              </a:lnSpc>
-              <a:spcBef>
-                <a:spcPts val="0"/>
-              </a:spcBef>
-              <a:spcAft>
-                <a:spcPts val="0"/>
-              </a:spcAft>
-              <a:buSzPts val="1100"/>
-              <a:buNone/>
-            </a:pPr>
-            <a:endParaRPr/>
-          </a:p>
-        </p:txBody>
-      </p:sp>
-    </p:spTree>
-    <p:extLst>
-      <p:ext uri="{BB962C8B-B14F-4D97-AF65-F5344CB8AC3E}">
-        <p14:creationId xmlns:p14="http://schemas.microsoft.com/office/powerpoint/2010/main" val="1122718883"/>
-      </p:ext>
-    </p:extLst>
-  </p:cSld>
-  <p:clrMapOvr>
-    <a:masterClrMapping/>
-  </p:clrMapOvr>
-</p:notes>
-</file>
-
-<file path=ppt/notesSlides/notesSlide21.xml><?xml version="1.0" encoding="utf-8"?>
-<p:notes xmlns:a="http://schemas.openxmlformats.org/drawingml/2006/main" xmlns:r="http://schemas.openxmlformats.org/officeDocument/2006/relationships" xmlns:p="http://schemas.openxmlformats.org/presentationml/2006/main" showMasterSp="0" showMasterPhAnim="0">
-  <p:cSld>
-    <p:spTree>
-      <p:nvGrpSpPr>
-        <p:cNvPr id="1" name="Shape 56"/>
-        <p:cNvGrpSpPr/>
-        <p:nvPr/>
-      </p:nvGrpSpPr>
-      <p:grpSpPr>
-        <a:xfrm>
-          <a:off x="0" y="0"/>
-          <a:ext cx="0" cy="0"/>
-          <a:chOff x="0" y="0"/>
-          <a:chExt cx="0" cy="0"/>
-        </a:xfrm>
-      </p:grpSpPr>
-      <p:sp>
-        <p:nvSpPr>
-          <p:cNvPr id="57" name="Google Shape;57;gbd08f57e3d_0_0:notes"/>
-          <p:cNvSpPr>
-            <a:spLocks noGrp="1" noRot="1" noChangeAspect="1"/>
-          </p:cNvSpPr>
-          <p:nvPr>
-            <p:ph type="sldImg" idx="2"/>
-          </p:nvPr>
-        </p:nvSpPr>
-        <p:spPr>
-          <a:xfrm>
-            <a:off x="381300" y="685800"/>
-            <a:ext cx="6096000" cy="3429000"/>
-          </a:xfrm>
-          <a:custGeom>
-            <a:avLst/>
-            <a:gdLst/>
-            <a:ahLst/>
-            <a:cxnLst/>
-            <a:rect l="l" t="t" r="r" b="b"/>
-            <a:pathLst>
-              <a:path w="120000" h="120000" extrusionOk="0">
-                <a:moveTo>
-                  <a:pt x="0" y="0"/>
-                </a:moveTo>
-                <a:lnTo>
-                  <a:pt x="120000" y="0"/>
-                </a:lnTo>
-                <a:lnTo>
-                  <a:pt x="120000" y="120000"/>
-                </a:lnTo>
-                <a:lnTo>
-                  <a:pt x="0" y="120000"/>
-                </a:lnTo>
-                <a:close/>
-              </a:path>
-            </a:pathLst>
-          </a:custGeom>
-          <a:noFill/>
-          <a:ln w="9525" cap="flat" cmpd="sng">
-            <a:solidFill>
-              <a:srgbClr val="000000"/>
-            </a:solidFill>
-            <a:prstDash val="solid"/>
-            <a:round/>
-            <a:headEnd type="none" w="sm" len="sm"/>
-            <a:tailEnd type="none" w="sm" len="sm"/>
-          </a:ln>
-        </p:spPr>
-      </p:sp>
-      <p:sp>
-        <p:nvSpPr>
-          <p:cNvPr id="58" name="Google Shape;58;gbd08f57e3d_0_0:notes"/>
-          <p:cNvSpPr txBox="1">
-            <a:spLocks noGrp="1"/>
-          </p:cNvSpPr>
-          <p:nvPr>
-            <p:ph type="body" idx="1"/>
-          </p:nvPr>
-        </p:nvSpPr>
-        <p:spPr>
-          <a:xfrm>
-            <a:off x="685800" y="4343400"/>
-            <a:ext cx="5486400" cy="4114800"/>
-          </a:xfrm>
-          <a:prstGeom prst="rect">
-            <a:avLst/>
-          </a:prstGeom>
-          <a:noFill/>
-          <a:ln>
-            <a:noFill/>
-          </a:ln>
-        </p:spPr>
-        <p:txBody>
-          <a:bodyPr spcFirstLastPara="1" wrap="square" lIns="91425" tIns="91425" rIns="91425" bIns="91425" anchor="t" anchorCtr="0">
-            <a:noAutofit/>
-          </a:bodyPr>
-          <a:lstStyle/>
-          <a:p>
-            <a:pPr marL="0" lvl="0" indent="0" algn="l" rtl="0">
-              <a:lnSpc>
-                <a:spcPct val="100000"/>
-              </a:lnSpc>
-              <a:spcBef>
-                <a:spcPts val="0"/>
-              </a:spcBef>
-              <a:spcAft>
-                <a:spcPts val="0"/>
-              </a:spcAft>
-              <a:buSzPts val="1100"/>
-              <a:buNone/>
-            </a:pPr>
-            <a:endParaRPr/>
-          </a:p>
-        </p:txBody>
-      </p:sp>
-    </p:spTree>
-    <p:extLst>
-      <p:ext uri="{BB962C8B-B14F-4D97-AF65-F5344CB8AC3E}">
-        <p14:creationId xmlns:p14="http://schemas.microsoft.com/office/powerpoint/2010/main" val="4123768618"/>
-      </p:ext>
-    </p:extLst>
-  </p:cSld>
-  <p:clrMapOvr>
-    <a:masterClrMapping/>
-  </p:clrMapOvr>
-</p:notes>
-</file>
-
-<file path=ppt/notesSlides/notesSlide22.xml><?xml version="1.0" encoding="utf-8"?>
-<p:notes xmlns:a="http://schemas.openxmlformats.org/drawingml/2006/main" xmlns:r="http://schemas.openxmlformats.org/officeDocument/2006/relationships" xmlns:p="http://schemas.openxmlformats.org/presentationml/2006/main" showMasterSp="0" showMasterPhAnim="0">
-  <p:cSld>
-    <p:spTree>
-      <p:nvGrpSpPr>
-        <p:cNvPr id="1" name="Shape 56"/>
-        <p:cNvGrpSpPr/>
-        <p:nvPr/>
-      </p:nvGrpSpPr>
-      <p:grpSpPr>
-        <a:xfrm>
-          <a:off x="0" y="0"/>
-          <a:ext cx="0" cy="0"/>
-          <a:chOff x="0" y="0"/>
-          <a:chExt cx="0" cy="0"/>
-        </a:xfrm>
-      </p:grpSpPr>
-      <p:sp>
-        <p:nvSpPr>
-          <p:cNvPr id="57" name="Google Shape;57;gbd08f57e3d_0_0:notes"/>
-          <p:cNvSpPr>
-            <a:spLocks noGrp="1" noRot="1" noChangeAspect="1"/>
-          </p:cNvSpPr>
-          <p:nvPr>
-            <p:ph type="sldImg" idx="2"/>
-          </p:nvPr>
-        </p:nvSpPr>
-        <p:spPr>
-          <a:xfrm>
-            <a:off x="381300" y="685800"/>
-            <a:ext cx="6096000" cy="3429000"/>
-          </a:xfrm>
-          <a:custGeom>
-            <a:avLst/>
-            <a:gdLst/>
-            <a:ahLst/>
-            <a:cxnLst/>
-            <a:rect l="l" t="t" r="r" b="b"/>
-            <a:pathLst>
-              <a:path w="120000" h="120000" extrusionOk="0">
-                <a:moveTo>
-                  <a:pt x="0" y="0"/>
-                </a:moveTo>
-                <a:lnTo>
-                  <a:pt x="120000" y="0"/>
-                </a:lnTo>
-                <a:lnTo>
-                  <a:pt x="120000" y="120000"/>
-                </a:lnTo>
-                <a:lnTo>
-                  <a:pt x="0" y="120000"/>
-                </a:lnTo>
-                <a:close/>
-              </a:path>
-            </a:pathLst>
-          </a:custGeom>
-          <a:noFill/>
-          <a:ln w="9525" cap="flat" cmpd="sng">
-            <a:solidFill>
-              <a:srgbClr val="000000"/>
-            </a:solidFill>
-            <a:prstDash val="solid"/>
-            <a:round/>
-            <a:headEnd type="none" w="sm" len="sm"/>
-            <a:tailEnd type="none" w="sm" len="sm"/>
-          </a:ln>
-        </p:spPr>
-      </p:sp>
-      <p:sp>
-        <p:nvSpPr>
-          <p:cNvPr id="58" name="Google Shape;58;gbd08f57e3d_0_0:notes"/>
-          <p:cNvSpPr txBox="1">
-            <a:spLocks noGrp="1"/>
-          </p:cNvSpPr>
-          <p:nvPr>
-            <p:ph type="body" idx="1"/>
-          </p:nvPr>
-        </p:nvSpPr>
-        <p:spPr>
-          <a:xfrm>
-            <a:off x="685800" y="4343400"/>
-            <a:ext cx="5486400" cy="4114800"/>
-          </a:xfrm>
-          <a:prstGeom prst="rect">
-            <a:avLst/>
-          </a:prstGeom>
-          <a:noFill/>
-          <a:ln>
-            <a:noFill/>
-          </a:ln>
-        </p:spPr>
-        <p:txBody>
-          <a:bodyPr spcFirstLastPara="1" wrap="square" lIns="91425" tIns="91425" rIns="91425" bIns="91425" anchor="t" anchorCtr="0">
-            <a:noAutofit/>
-          </a:bodyPr>
-          <a:lstStyle/>
-          <a:p>
-            <a:pPr marL="0" lvl="0" indent="0" algn="l" rtl="0">
-              <a:lnSpc>
-                <a:spcPct val="100000"/>
-              </a:lnSpc>
-              <a:spcBef>
-                <a:spcPts val="0"/>
-              </a:spcBef>
-              <a:spcAft>
-                <a:spcPts val="0"/>
-              </a:spcAft>
-              <a:buSzPts val="1100"/>
-              <a:buNone/>
-            </a:pPr>
-            <a:endParaRPr/>
-          </a:p>
-        </p:txBody>
-      </p:sp>
-    </p:spTree>
-    <p:extLst>
-      <p:ext uri="{BB962C8B-B14F-4D97-AF65-F5344CB8AC3E}">
-        <p14:creationId xmlns:p14="http://schemas.microsoft.com/office/powerpoint/2010/main" val="912139643"/>
-      </p:ext>
-    </p:extLst>
   </p:cSld>
   <p:clrMapOvr>
     <a:masterClrMapping/>
@@ -3552,7 +2913,7 @@
         </p:nvSpPr>
         <p:spPr>
           <a:xfrm>
-            <a:off x="381300" y="685800"/>
+            <a:off x="381000" y="685800"/>
             <a:ext cx="6096000" cy="3429000"/>
           </a:xfrm>
           <a:custGeom>
@@ -11740,13 +11101,13 @@
             <a:spLocks noGrp="1"/>
           </p:cNvSpPr>
           <p:nvPr>
-            <p:ph type="ctrTitle"/>
+            <p:ph type="title"/>
           </p:nvPr>
         </p:nvSpPr>
         <p:spPr>
           <a:xfrm>
-            <a:off x="315750" y="509500"/>
-            <a:ext cx="8512500" cy="3784800"/>
+            <a:off x="311700" y="101600"/>
+            <a:ext cx="8520600" cy="650240"/>
           </a:xfrm>
           <a:prstGeom prst="rect">
             <a:avLst/>
@@ -11762,10 +11123,7 @@
           </a:bodyPr>
           <a:lstStyle/>
           <a:p>
-            <a:pPr marL="0" lvl="0" indent="0" algn="l" rtl="0">
-              <a:lnSpc>
-                <a:spcPct val="100000"/>
-              </a:lnSpc>
+            <a:pPr marL="0" lvl="0" indent="0" algn="ctr" rtl="0">
               <a:spcBef>
                 <a:spcPts val="0"/>
               </a:spcBef>
@@ -11775,7 +11133,7 @@
               <a:buSzPts val="5200"/>
               <a:buNone/>
             </a:pPr>
-            <a:endParaRPr sz="3600" b="1">
+            <a:endParaRPr b="1" dirty="0">
               <a:solidFill>
                 <a:schemeClr val="lt1"/>
               </a:solidFill>
@@ -11787,9 +11145,6 @@
           </a:p>
           <a:p>
             <a:pPr marL="0" lvl="0" indent="0" algn="ctr" rtl="0">
-              <a:lnSpc>
-                <a:spcPct val="100000"/>
-              </a:lnSpc>
               <a:spcBef>
                 <a:spcPts val="0"/>
               </a:spcBef>
@@ -11799,9 +11154,21 @@
               <a:buSzPts val="5200"/>
               <a:buNone/>
             </a:pPr>
-            <a:endParaRPr sz="3600" b="1">
+            <a:r>
+              <a:rPr lang="en-US" b="1" dirty="0">
+                <a:solidFill>
+                  <a:schemeClr val="tx1"/>
+                </a:solidFill>
+                <a:latin typeface="Montserrat"/>
+                <a:ea typeface="Montserrat"/>
+                <a:cs typeface="Montserrat"/>
+                <a:sym typeface="Montserrat"/>
+              </a:rPr>
+              <a:t>Area Code - 415</a:t>
+            </a:r>
+            <a:endParaRPr b="1" dirty="0">
               <a:solidFill>
-                <a:schemeClr val="lt1"/>
+                <a:schemeClr val="tx1"/>
               </a:solidFill>
               <a:latin typeface="Montserrat"/>
               <a:ea typeface="Montserrat"/>
@@ -11809,47 +11176,139 @@
               <a:sym typeface="Montserrat"/>
             </a:endParaRPr>
           </a:p>
-          <a:p>
-            <a:pPr marL="0" lvl="0" indent="0" algn="ctr" rtl="0">
-              <a:spcBef>
-                <a:spcPts val="0"/>
-              </a:spcBef>
-              <a:spcAft>
-                <a:spcPts val="0"/>
-              </a:spcAft>
-              <a:buSzPts val="5200"/>
-              <a:buNone/>
-            </a:pPr>
-            <a:endParaRPr sz="1600" b="1">
-              <a:solidFill>
-                <a:schemeClr val="lt1"/>
-              </a:solidFill>
-              <a:latin typeface="Montserrat"/>
-              <a:ea typeface="Montserrat"/>
-              <a:cs typeface="Montserrat"/>
-              <a:sym typeface="Montserrat"/>
-            </a:endParaRPr>
-          </a:p>
-          <a:p>
-            <a:pPr marL="0" lvl="0" indent="0" algn="ctr" rtl="0">
-              <a:spcBef>
-                <a:spcPts val="0"/>
-              </a:spcBef>
-              <a:spcAft>
-                <a:spcPts val="0"/>
-              </a:spcAft>
-              <a:buSzPts val="5200"/>
-              <a:buNone/>
-            </a:pPr>
-            <a:endParaRPr sz="1600" b="1">
-              <a:solidFill>
-                <a:schemeClr val="lt1"/>
-              </a:solidFill>
-              <a:latin typeface="Montserrat"/>
-              <a:ea typeface="Montserrat"/>
-              <a:cs typeface="Montserrat"/>
-              <a:sym typeface="Montserrat"/>
-            </a:endParaRPr>
+        </p:txBody>
+      </p:sp>
+      <p:pic>
+        <p:nvPicPr>
+          <p:cNvPr id="3" name="Picture 2">
+            <a:extLst>
+              <a:ext uri="{FF2B5EF4-FFF2-40B4-BE49-F238E27FC236}">
+                <a16:creationId xmlns:a16="http://schemas.microsoft.com/office/drawing/2014/main" id="{E92744B6-3B7A-FF07-F4E3-03C56130198D}"/>
+              </a:ext>
+            </a:extLst>
+          </p:cNvPr>
+          <p:cNvPicPr>
+            <a:picLocks noChangeAspect="1"/>
+          </p:cNvPicPr>
+          <p:nvPr/>
+        </p:nvPicPr>
+        <p:blipFill>
+          <a:blip r:embed="rId3"/>
+          <a:stretch>
+            <a:fillRect/>
+          </a:stretch>
+        </p:blipFill>
+        <p:spPr>
+          <a:xfrm>
+            <a:off x="0" y="896820"/>
+            <a:ext cx="4084320" cy="3187301"/>
+          </a:xfrm>
+          <a:prstGeom prst="rect">
+            <a:avLst/>
+          </a:prstGeom>
+        </p:spPr>
+      </p:pic>
+      <p:pic>
+        <p:nvPicPr>
+          <p:cNvPr id="5" name="Picture 4">
+            <a:extLst>
+              <a:ext uri="{FF2B5EF4-FFF2-40B4-BE49-F238E27FC236}">
+                <a16:creationId xmlns:a16="http://schemas.microsoft.com/office/drawing/2014/main" id="{D43236DC-B726-0AB9-1D35-15AC446D9847}"/>
+              </a:ext>
+            </a:extLst>
+          </p:cNvPr>
+          <p:cNvPicPr>
+            <a:picLocks noChangeAspect="1"/>
+          </p:cNvPicPr>
+          <p:nvPr/>
+        </p:nvPicPr>
+        <p:blipFill>
+          <a:blip r:embed="rId4"/>
+          <a:stretch>
+            <a:fillRect/>
+          </a:stretch>
+        </p:blipFill>
+        <p:spPr>
+          <a:xfrm>
+            <a:off x="4775200" y="849832"/>
+            <a:ext cx="4368800" cy="3225397"/>
+          </a:xfrm>
+          <a:prstGeom prst="rect">
+            <a:avLst/>
+          </a:prstGeom>
+        </p:spPr>
+      </p:pic>
+      <p:sp>
+        <p:nvSpPr>
+          <p:cNvPr id="6" name="TextBox 5">
+            <a:extLst>
+              <a:ext uri="{FF2B5EF4-FFF2-40B4-BE49-F238E27FC236}">
+                <a16:creationId xmlns:a16="http://schemas.microsoft.com/office/drawing/2014/main" id="{3CC00DE3-3EE4-F5F9-9CE4-9CB950DD71BA}"/>
+              </a:ext>
+            </a:extLst>
+          </p:cNvPr>
+          <p:cNvSpPr txBox="1"/>
+          <p:nvPr/>
+        </p:nvSpPr>
+        <p:spPr>
+          <a:xfrm flipH="1">
+            <a:off x="526879" y="4246680"/>
+            <a:ext cx="3157814" cy="307777"/>
+          </a:xfrm>
+          <a:prstGeom prst="rect">
+            <a:avLst/>
+          </a:prstGeom>
+          <a:noFill/>
+        </p:spPr>
+        <p:txBody>
+          <a:bodyPr wrap="square" rtlCol="0">
+            <a:spAutoFit/>
+          </a:bodyPr>
+          <a:lstStyle/>
+          <a:p>
+            <a:pPr algn="ctr"/>
+            <a:r>
+              <a:rPr lang="en-US" dirty="0"/>
+              <a:t>Churned Users</a:t>
+            </a:r>
+            <a:endParaRPr lang="en-IN" dirty="0"/>
+          </a:p>
+        </p:txBody>
+      </p:sp>
+      <p:sp>
+        <p:nvSpPr>
+          <p:cNvPr id="7" name="TextBox 6">
+            <a:extLst>
+              <a:ext uri="{FF2B5EF4-FFF2-40B4-BE49-F238E27FC236}">
+                <a16:creationId xmlns:a16="http://schemas.microsoft.com/office/drawing/2014/main" id="{35831D5B-6160-5AF3-EBF8-60320B6A99CB}"/>
+              </a:ext>
+            </a:extLst>
+          </p:cNvPr>
+          <p:cNvSpPr txBox="1"/>
+          <p:nvPr/>
+        </p:nvSpPr>
+        <p:spPr>
+          <a:xfrm flipH="1">
+            <a:off x="5501871" y="4243296"/>
+            <a:ext cx="3157814" cy="307777"/>
+          </a:xfrm>
+          <a:prstGeom prst="rect">
+            <a:avLst/>
+          </a:prstGeom>
+          <a:noFill/>
+        </p:spPr>
+        <p:txBody>
+          <a:bodyPr wrap="square" rtlCol="0">
+            <a:spAutoFit/>
+          </a:bodyPr>
+          <a:lstStyle/>
+          <a:p>
+            <a:pPr algn="ctr"/>
+            <a:r>
+              <a:rPr lang="en-US" dirty="0"/>
+              <a:t>Non Churned Users</a:t>
+            </a:r>
+            <a:endParaRPr lang="en-IN" dirty="0"/>
           </a:p>
         </p:txBody>
       </p:sp>
@@ -11890,13 +11349,13 @@
             <a:spLocks noGrp="1"/>
           </p:cNvSpPr>
           <p:nvPr>
-            <p:ph type="ctrTitle"/>
+            <p:ph type="title"/>
           </p:nvPr>
         </p:nvSpPr>
         <p:spPr>
           <a:xfrm>
-            <a:off x="315750" y="509500"/>
-            <a:ext cx="8512500" cy="3784800"/>
+            <a:off x="311700" y="101600"/>
+            <a:ext cx="8520600" cy="650240"/>
           </a:xfrm>
           <a:prstGeom prst="rect">
             <a:avLst/>
@@ -11912,10 +11371,7 @@
           </a:bodyPr>
           <a:lstStyle/>
           <a:p>
-            <a:pPr marL="0" lvl="0" indent="0" algn="l" rtl="0">
-              <a:lnSpc>
-                <a:spcPct val="100000"/>
-              </a:lnSpc>
+            <a:pPr marL="0" lvl="0" indent="0" algn="ctr" rtl="0">
               <a:spcBef>
                 <a:spcPts val="0"/>
               </a:spcBef>
@@ -11925,7 +11381,7 @@
               <a:buSzPts val="5200"/>
               <a:buNone/>
             </a:pPr>
-            <a:endParaRPr sz="3600" b="1">
+            <a:endParaRPr b="1" dirty="0">
               <a:solidFill>
                 <a:schemeClr val="lt1"/>
               </a:solidFill>
@@ -11937,9 +11393,6 @@
           </a:p>
           <a:p>
             <a:pPr marL="0" lvl="0" indent="0" algn="ctr" rtl="0">
-              <a:lnSpc>
-                <a:spcPct val="100000"/>
-              </a:lnSpc>
               <a:spcBef>
                 <a:spcPts val="0"/>
               </a:spcBef>
@@ -11949,9 +11402,21 @@
               <a:buSzPts val="5200"/>
               <a:buNone/>
             </a:pPr>
-            <a:endParaRPr sz="3600" b="1">
+            <a:r>
+              <a:rPr lang="en-US" b="1" dirty="0">
+                <a:solidFill>
+                  <a:schemeClr val="tx1"/>
+                </a:solidFill>
+                <a:latin typeface="Montserrat"/>
+                <a:ea typeface="Montserrat"/>
+                <a:cs typeface="Montserrat"/>
+                <a:sym typeface="Montserrat"/>
+              </a:rPr>
+              <a:t>Area Code - 408</a:t>
+            </a:r>
+            <a:endParaRPr b="1" dirty="0">
               <a:solidFill>
-                <a:schemeClr val="lt1"/>
+                <a:schemeClr val="tx1"/>
               </a:solidFill>
               <a:latin typeface="Montserrat"/>
               <a:ea typeface="Montserrat"/>
@@ -11959,54 +11424,146 @@
               <a:sym typeface="Montserrat"/>
             </a:endParaRPr>
           </a:p>
-          <a:p>
-            <a:pPr marL="0" lvl="0" indent="0" algn="ctr" rtl="0">
-              <a:spcBef>
-                <a:spcPts val="0"/>
-              </a:spcBef>
-              <a:spcAft>
-                <a:spcPts val="0"/>
-              </a:spcAft>
-              <a:buSzPts val="5200"/>
-              <a:buNone/>
-            </a:pPr>
-            <a:endParaRPr sz="1600" b="1">
-              <a:solidFill>
-                <a:schemeClr val="lt1"/>
-              </a:solidFill>
-              <a:latin typeface="Montserrat"/>
-              <a:ea typeface="Montserrat"/>
-              <a:cs typeface="Montserrat"/>
-              <a:sym typeface="Montserrat"/>
-            </a:endParaRPr>
-          </a:p>
-          <a:p>
-            <a:pPr marL="0" lvl="0" indent="0" algn="ctr" rtl="0">
-              <a:spcBef>
-                <a:spcPts val="0"/>
-              </a:spcBef>
-              <a:spcAft>
-                <a:spcPts val="0"/>
-              </a:spcAft>
-              <a:buSzPts val="5200"/>
-              <a:buNone/>
-            </a:pPr>
-            <a:endParaRPr sz="1600" b="1">
-              <a:solidFill>
-                <a:schemeClr val="lt1"/>
-              </a:solidFill>
-              <a:latin typeface="Montserrat"/>
-              <a:ea typeface="Montserrat"/>
-              <a:cs typeface="Montserrat"/>
-              <a:sym typeface="Montserrat"/>
-            </a:endParaRPr>
-          </a:p>
         </p:txBody>
       </p:sp>
+      <p:sp>
+        <p:nvSpPr>
+          <p:cNvPr id="6" name="TextBox 5">
+            <a:extLst>
+              <a:ext uri="{FF2B5EF4-FFF2-40B4-BE49-F238E27FC236}">
+                <a16:creationId xmlns:a16="http://schemas.microsoft.com/office/drawing/2014/main" id="{3CC00DE3-3EE4-F5F9-9CE4-9CB950DD71BA}"/>
+              </a:ext>
+            </a:extLst>
+          </p:cNvPr>
+          <p:cNvSpPr txBox="1"/>
+          <p:nvPr/>
+        </p:nvSpPr>
+        <p:spPr>
+          <a:xfrm flipH="1">
+            <a:off x="526879" y="4246680"/>
+            <a:ext cx="3157814" cy="307777"/>
+          </a:xfrm>
+          <a:prstGeom prst="rect">
+            <a:avLst/>
+          </a:prstGeom>
+          <a:noFill/>
+        </p:spPr>
+        <p:txBody>
+          <a:bodyPr wrap="square" rtlCol="0">
+            <a:spAutoFit/>
+          </a:bodyPr>
+          <a:lstStyle/>
+          <a:p>
+            <a:pPr algn="ctr"/>
+            <a:r>
+              <a:rPr lang="en-US" dirty="0"/>
+              <a:t>Churned Users</a:t>
+            </a:r>
+            <a:endParaRPr lang="en-IN" dirty="0"/>
+          </a:p>
+        </p:txBody>
+      </p:sp>
+      <p:sp>
+        <p:nvSpPr>
+          <p:cNvPr id="7" name="TextBox 6">
+            <a:extLst>
+              <a:ext uri="{FF2B5EF4-FFF2-40B4-BE49-F238E27FC236}">
+                <a16:creationId xmlns:a16="http://schemas.microsoft.com/office/drawing/2014/main" id="{35831D5B-6160-5AF3-EBF8-60320B6A99CB}"/>
+              </a:ext>
+            </a:extLst>
+          </p:cNvPr>
+          <p:cNvSpPr txBox="1"/>
+          <p:nvPr/>
+        </p:nvSpPr>
+        <p:spPr>
+          <a:xfrm flipH="1">
+            <a:off x="5501871" y="4243296"/>
+            <a:ext cx="3157814" cy="307777"/>
+          </a:xfrm>
+          <a:prstGeom prst="rect">
+            <a:avLst/>
+          </a:prstGeom>
+          <a:noFill/>
+        </p:spPr>
+        <p:txBody>
+          <a:bodyPr wrap="square" rtlCol="0">
+            <a:spAutoFit/>
+          </a:bodyPr>
+          <a:lstStyle/>
+          <a:p>
+            <a:pPr algn="ctr"/>
+            <a:r>
+              <a:rPr lang="en-US" dirty="0"/>
+              <a:t>Non Churned Users</a:t>
+            </a:r>
+            <a:endParaRPr lang="en-IN" dirty="0"/>
+          </a:p>
+        </p:txBody>
+      </p:sp>
+      <p:pic>
+        <p:nvPicPr>
+          <p:cNvPr id="4" name="Picture 3">
+            <a:extLst>
+              <a:ext uri="{FF2B5EF4-FFF2-40B4-BE49-F238E27FC236}">
+                <a16:creationId xmlns:a16="http://schemas.microsoft.com/office/drawing/2014/main" id="{C41461D6-7434-BA4D-BD67-DC5EF07C0B9F}"/>
+              </a:ext>
+            </a:extLst>
+          </p:cNvPr>
+          <p:cNvPicPr>
+            <a:picLocks noChangeAspect="1"/>
+          </p:cNvPicPr>
+          <p:nvPr/>
+        </p:nvPicPr>
+        <p:blipFill>
+          <a:blip r:embed="rId3"/>
+          <a:stretch>
+            <a:fillRect/>
+          </a:stretch>
+        </p:blipFill>
+        <p:spPr>
+          <a:xfrm>
+            <a:off x="8105" y="842633"/>
+            <a:ext cx="4276637" cy="3248586"/>
+          </a:xfrm>
+          <a:prstGeom prst="rect">
+            <a:avLst/>
+          </a:prstGeom>
+        </p:spPr>
+      </p:pic>
+      <p:pic>
+        <p:nvPicPr>
+          <p:cNvPr id="9" name="Picture 8">
+            <a:extLst>
+              <a:ext uri="{FF2B5EF4-FFF2-40B4-BE49-F238E27FC236}">
+                <a16:creationId xmlns:a16="http://schemas.microsoft.com/office/drawing/2014/main" id="{862FE846-D21C-6987-EFF1-44E6A26021AD}"/>
+              </a:ext>
+            </a:extLst>
+          </p:cNvPr>
+          <p:cNvPicPr>
+            <a:picLocks noChangeAspect="1"/>
+          </p:cNvPicPr>
+          <p:nvPr/>
+        </p:nvPicPr>
+        <p:blipFill>
+          <a:blip r:embed="rId4"/>
+          <a:stretch>
+            <a:fillRect/>
+          </a:stretch>
+        </p:blipFill>
+        <p:spPr>
+          <a:xfrm>
+            <a:off x="4700693" y="842632"/>
+            <a:ext cx="4443307" cy="3248586"/>
+          </a:xfrm>
+          <a:prstGeom prst="rect">
+            <a:avLst/>
+          </a:prstGeom>
+        </p:spPr>
+      </p:pic>
     </p:spTree>
     <p:extLst>
       <p:ext uri="{BB962C8B-B14F-4D97-AF65-F5344CB8AC3E}">
-        <p14:creationId xmlns:p14="http://schemas.microsoft.com/office/powerpoint/2010/main" val="1841440249"/>
+        <p14:creationId xmlns:p14="http://schemas.microsoft.com/office/powerpoint/2010/main" val="3017839054"/>
       </p:ext>
     </p:extLst>
   </p:cSld>
@@ -12040,13 +11597,13 @@
             <a:spLocks noGrp="1"/>
           </p:cNvSpPr>
           <p:nvPr>
-            <p:ph type="ctrTitle"/>
+            <p:ph type="title"/>
           </p:nvPr>
         </p:nvSpPr>
         <p:spPr>
           <a:xfrm>
-            <a:off x="315750" y="509500"/>
-            <a:ext cx="8512500" cy="3784800"/>
+            <a:off x="311700" y="101600"/>
+            <a:ext cx="8520600" cy="650240"/>
           </a:xfrm>
           <a:prstGeom prst="rect">
             <a:avLst/>
@@ -12062,10 +11619,7 @@
           </a:bodyPr>
           <a:lstStyle/>
           <a:p>
-            <a:pPr marL="0" lvl="0" indent="0" algn="l" rtl="0">
-              <a:lnSpc>
-                <a:spcPct val="100000"/>
-              </a:lnSpc>
+            <a:pPr marL="0" lvl="0" indent="0" algn="ctr" rtl="0">
               <a:spcBef>
                 <a:spcPts val="0"/>
               </a:spcBef>
@@ -12075,7 +11629,7 @@
               <a:buSzPts val="5200"/>
               <a:buNone/>
             </a:pPr>
-            <a:endParaRPr sz="3600" b="1">
+            <a:endParaRPr b="1" dirty="0">
               <a:solidFill>
                 <a:schemeClr val="lt1"/>
               </a:solidFill>
@@ -12087,9 +11641,6 @@
           </a:p>
           <a:p>
             <a:pPr marL="0" lvl="0" indent="0" algn="ctr" rtl="0">
-              <a:lnSpc>
-                <a:spcPct val="100000"/>
-              </a:lnSpc>
               <a:spcBef>
                 <a:spcPts val="0"/>
               </a:spcBef>
@@ -12099,9 +11650,21 @@
               <a:buSzPts val="5200"/>
               <a:buNone/>
             </a:pPr>
-            <a:endParaRPr sz="3600" b="1">
+            <a:r>
+              <a:rPr lang="en-US" b="1" dirty="0">
+                <a:solidFill>
+                  <a:schemeClr val="tx1"/>
+                </a:solidFill>
+                <a:latin typeface="Montserrat"/>
+                <a:ea typeface="Montserrat"/>
+                <a:cs typeface="Montserrat"/>
+                <a:sym typeface="Montserrat"/>
+              </a:rPr>
+              <a:t>Area Code - 510</a:t>
+            </a:r>
+            <a:endParaRPr b="1" dirty="0">
               <a:solidFill>
-                <a:schemeClr val="lt1"/>
+                <a:schemeClr val="tx1"/>
               </a:solidFill>
               <a:latin typeface="Montserrat"/>
               <a:ea typeface="Montserrat"/>
@@ -12109,54 +11672,146 @@
               <a:sym typeface="Montserrat"/>
             </a:endParaRPr>
           </a:p>
-          <a:p>
-            <a:pPr marL="0" lvl="0" indent="0" algn="ctr" rtl="0">
-              <a:spcBef>
-                <a:spcPts val="0"/>
-              </a:spcBef>
-              <a:spcAft>
-                <a:spcPts val="0"/>
-              </a:spcAft>
-              <a:buSzPts val="5200"/>
-              <a:buNone/>
-            </a:pPr>
-            <a:endParaRPr sz="1600" b="1">
-              <a:solidFill>
-                <a:schemeClr val="lt1"/>
-              </a:solidFill>
-              <a:latin typeface="Montserrat"/>
-              <a:ea typeface="Montserrat"/>
-              <a:cs typeface="Montserrat"/>
-              <a:sym typeface="Montserrat"/>
-            </a:endParaRPr>
-          </a:p>
-          <a:p>
-            <a:pPr marL="0" lvl="0" indent="0" algn="ctr" rtl="0">
-              <a:spcBef>
-                <a:spcPts val="0"/>
-              </a:spcBef>
-              <a:spcAft>
-                <a:spcPts val="0"/>
-              </a:spcAft>
-              <a:buSzPts val="5200"/>
-              <a:buNone/>
-            </a:pPr>
-            <a:endParaRPr sz="1600" b="1">
-              <a:solidFill>
-                <a:schemeClr val="lt1"/>
-              </a:solidFill>
-              <a:latin typeface="Montserrat"/>
-              <a:ea typeface="Montserrat"/>
-              <a:cs typeface="Montserrat"/>
-              <a:sym typeface="Montserrat"/>
-            </a:endParaRPr>
-          </a:p>
         </p:txBody>
       </p:sp>
+      <p:sp>
+        <p:nvSpPr>
+          <p:cNvPr id="6" name="TextBox 5">
+            <a:extLst>
+              <a:ext uri="{FF2B5EF4-FFF2-40B4-BE49-F238E27FC236}">
+                <a16:creationId xmlns:a16="http://schemas.microsoft.com/office/drawing/2014/main" id="{3CC00DE3-3EE4-F5F9-9CE4-9CB950DD71BA}"/>
+              </a:ext>
+            </a:extLst>
+          </p:cNvPr>
+          <p:cNvSpPr txBox="1"/>
+          <p:nvPr/>
+        </p:nvSpPr>
+        <p:spPr>
+          <a:xfrm flipH="1">
+            <a:off x="526879" y="4246680"/>
+            <a:ext cx="3157814" cy="307777"/>
+          </a:xfrm>
+          <a:prstGeom prst="rect">
+            <a:avLst/>
+          </a:prstGeom>
+          <a:noFill/>
+        </p:spPr>
+        <p:txBody>
+          <a:bodyPr wrap="square" rtlCol="0">
+            <a:spAutoFit/>
+          </a:bodyPr>
+          <a:lstStyle/>
+          <a:p>
+            <a:pPr algn="ctr"/>
+            <a:r>
+              <a:rPr lang="en-US" dirty="0"/>
+              <a:t>Churned Users</a:t>
+            </a:r>
+            <a:endParaRPr lang="en-IN" dirty="0"/>
+          </a:p>
+        </p:txBody>
+      </p:sp>
+      <p:sp>
+        <p:nvSpPr>
+          <p:cNvPr id="7" name="TextBox 6">
+            <a:extLst>
+              <a:ext uri="{FF2B5EF4-FFF2-40B4-BE49-F238E27FC236}">
+                <a16:creationId xmlns:a16="http://schemas.microsoft.com/office/drawing/2014/main" id="{35831D5B-6160-5AF3-EBF8-60320B6A99CB}"/>
+              </a:ext>
+            </a:extLst>
+          </p:cNvPr>
+          <p:cNvSpPr txBox="1"/>
+          <p:nvPr/>
+        </p:nvSpPr>
+        <p:spPr>
+          <a:xfrm flipH="1">
+            <a:off x="5501871" y="4243296"/>
+            <a:ext cx="3157814" cy="307777"/>
+          </a:xfrm>
+          <a:prstGeom prst="rect">
+            <a:avLst/>
+          </a:prstGeom>
+          <a:noFill/>
+        </p:spPr>
+        <p:txBody>
+          <a:bodyPr wrap="square" rtlCol="0">
+            <a:spAutoFit/>
+          </a:bodyPr>
+          <a:lstStyle/>
+          <a:p>
+            <a:pPr algn="ctr"/>
+            <a:r>
+              <a:rPr lang="en-US" dirty="0"/>
+              <a:t>Non Churned Users</a:t>
+            </a:r>
+            <a:endParaRPr lang="en-IN" dirty="0"/>
+          </a:p>
+        </p:txBody>
+      </p:sp>
+      <p:pic>
+        <p:nvPicPr>
+          <p:cNvPr id="4" name="Picture 3">
+            <a:extLst>
+              <a:ext uri="{FF2B5EF4-FFF2-40B4-BE49-F238E27FC236}">
+                <a16:creationId xmlns:a16="http://schemas.microsoft.com/office/drawing/2014/main" id="{B500D000-6A8B-CBF0-A1AC-6FB1A973B594}"/>
+              </a:ext>
+            </a:extLst>
+          </p:cNvPr>
+          <p:cNvPicPr>
+            <a:picLocks noChangeAspect="1"/>
+          </p:cNvPicPr>
+          <p:nvPr/>
+        </p:nvPicPr>
+        <p:blipFill>
+          <a:blip r:embed="rId3"/>
+          <a:stretch>
+            <a:fillRect/>
+          </a:stretch>
+        </p:blipFill>
+        <p:spPr>
+          <a:xfrm>
+            <a:off x="0" y="785705"/>
+            <a:ext cx="4256317" cy="3187301"/>
+          </a:xfrm>
+          <a:prstGeom prst="rect">
+            <a:avLst/>
+          </a:prstGeom>
+        </p:spPr>
+      </p:pic>
+      <p:pic>
+        <p:nvPicPr>
+          <p:cNvPr id="9" name="Picture 8">
+            <a:extLst>
+              <a:ext uri="{FF2B5EF4-FFF2-40B4-BE49-F238E27FC236}">
+                <a16:creationId xmlns:a16="http://schemas.microsoft.com/office/drawing/2014/main" id="{2C0E738D-83A5-9BD8-060B-BC58C1CB513B}"/>
+              </a:ext>
+            </a:extLst>
+          </p:cNvPr>
+          <p:cNvPicPr>
+            <a:picLocks noChangeAspect="1"/>
+          </p:cNvPicPr>
+          <p:nvPr/>
+        </p:nvPicPr>
+        <p:blipFill>
+          <a:blip r:embed="rId4"/>
+          <a:stretch>
+            <a:fillRect/>
+          </a:stretch>
+        </p:blipFill>
+        <p:spPr>
+          <a:xfrm>
+            <a:off x="4673600" y="778932"/>
+            <a:ext cx="4470400" cy="3095214"/>
+          </a:xfrm>
+          <a:prstGeom prst="rect">
+            <a:avLst/>
+          </a:prstGeom>
+        </p:spPr>
+      </p:pic>
     </p:spTree>
     <p:extLst>
       <p:ext uri="{BB962C8B-B14F-4D97-AF65-F5344CB8AC3E}">
-        <p14:creationId xmlns:p14="http://schemas.microsoft.com/office/powerpoint/2010/main" val="4060707915"/>
+        <p14:creationId xmlns:p14="http://schemas.microsoft.com/office/powerpoint/2010/main" val="118194657"/>
       </p:ext>
     </p:extLst>
   </p:cSld>
@@ -12190,13 +11845,13 @@
             <a:spLocks noGrp="1"/>
           </p:cNvSpPr>
           <p:nvPr>
-            <p:ph type="ctrTitle"/>
+            <p:ph type="title"/>
           </p:nvPr>
         </p:nvSpPr>
         <p:spPr>
           <a:xfrm>
-            <a:off x="315750" y="509500"/>
-            <a:ext cx="8512500" cy="3784800"/>
+            <a:off x="311700" y="386079"/>
+            <a:ext cx="8520600" cy="636693"/>
           </a:xfrm>
           <a:prstGeom prst="rect">
             <a:avLst/>
@@ -12225,7 +11880,18 @@
               <a:buSzPts val="5200"/>
               <a:buNone/>
             </a:pPr>
-            <a:endParaRPr sz="3600" b="1">
+            <a:br>
+              <a:rPr lang="en-US" b="1" dirty="0">
+                <a:solidFill>
+                  <a:schemeClr val="lt1"/>
+                </a:solidFill>
+                <a:latin typeface="Montserrat"/>
+                <a:ea typeface="Montserrat"/>
+                <a:cs typeface="Montserrat"/>
+                <a:sym typeface="Montserrat"/>
+              </a:rPr>
+            </a:br>
+            <a:endParaRPr b="1" dirty="0">
               <a:solidFill>
                 <a:schemeClr val="lt1"/>
               </a:solidFill>
@@ -12249,7 +11915,7 @@
               <a:buSzPts val="5200"/>
               <a:buNone/>
             </a:pPr>
-            <a:endParaRPr sz="3600" b="1">
+            <a:endParaRPr b="1" dirty="0">
               <a:solidFill>
                 <a:schemeClr val="lt1"/>
               </a:solidFill>
@@ -12270,7 +11936,41 @@
               <a:buSzPts val="5200"/>
               <a:buNone/>
             </a:pPr>
-            <a:endParaRPr sz="1600" b="1">
+            <a:br>
+              <a:rPr lang="en-US" b="1" dirty="0">
+                <a:solidFill>
+                  <a:schemeClr val="lt1"/>
+                </a:solidFill>
+                <a:latin typeface="Montserrat"/>
+                <a:ea typeface="Montserrat"/>
+                <a:cs typeface="Montserrat"/>
+                <a:sym typeface="Montserrat"/>
+              </a:rPr>
+            </a:br>
+            <a:br>
+              <a:rPr lang="en-US" b="1" dirty="0">
+                <a:solidFill>
+                  <a:schemeClr val="lt1"/>
+                </a:solidFill>
+                <a:latin typeface="Montserrat"/>
+                <a:ea typeface="Montserrat"/>
+                <a:cs typeface="Montserrat"/>
+                <a:sym typeface="Montserrat"/>
+              </a:rPr>
+            </a:br>
+            <a:r>
+              <a:rPr lang="en-US" b="1" dirty="0">
+                <a:solidFill>
+                  <a:schemeClr val="lt1"/>
+                </a:solidFill>
+                <a:latin typeface="Montserrat"/>
+                <a:ea typeface="Montserrat"/>
+                <a:cs typeface="Montserrat"/>
+                <a:sym typeface="Montserrat"/>
+              </a:rPr>
+              <a:t>State Based Analysis</a:t>
+            </a:r>
+            <a:endParaRPr b="1" dirty="0">
               <a:solidFill>
                 <a:schemeClr val="lt1"/>
               </a:solidFill>
@@ -12291,7 +11991,7 @@
               <a:buSzPts val="5200"/>
               <a:buNone/>
             </a:pPr>
-            <a:endParaRPr sz="1600" b="1">
+            <a:endParaRPr b="1" dirty="0">
               <a:solidFill>
                 <a:schemeClr val="lt1"/>
               </a:solidFill>
@@ -12303,10 +12003,183 @@
           </a:p>
         </p:txBody>
       </p:sp>
+      <p:sp>
+        <p:nvSpPr>
+          <p:cNvPr id="2" name="Text Placeholder 1">
+            <a:extLst>
+              <a:ext uri="{FF2B5EF4-FFF2-40B4-BE49-F238E27FC236}">
+                <a16:creationId xmlns:a16="http://schemas.microsoft.com/office/drawing/2014/main" id="{2751C128-75FB-BA1D-9CE5-EA5163C6E1F8}"/>
+              </a:ext>
+            </a:extLst>
+          </p:cNvPr>
+          <p:cNvSpPr>
+            <a:spLocks noGrp="1"/>
+          </p:cNvSpPr>
+          <p:nvPr>
+            <p:ph type="body" idx="1"/>
+          </p:nvPr>
+        </p:nvSpPr>
+        <p:spPr>
+          <a:xfrm>
+            <a:off x="311700" y="589280"/>
+            <a:ext cx="8520600" cy="3979595"/>
+          </a:xfrm>
+        </p:spPr>
+        <p:txBody>
+          <a:bodyPr/>
+          <a:lstStyle/>
+          <a:p>
+            <a:pPr marL="114300" indent="0">
+              <a:buNone/>
+            </a:pPr>
+            <a:r>
+              <a:rPr lang="en-US" dirty="0">
+                <a:solidFill>
+                  <a:schemeClr val="accent3"/>
+                </a:solidFill>
+              </a:rPr>
+              <a:t>There are 51 states in total in the data set. Out of which 11 states have more than 20% Churned Rate. </a:t>
+            </a:r>
+          </a:p>
+          <a:p>
+            <a:pPr marL="114300" indent="0">
+              <a:buNone/>
+            </a:pPr>
+            <a:endParaRPr lang="en-IN" dirty="0">
+              <a:solidFill>
+                <a:schemeClr val="accent3"/>
+              </a:solidFill>
+            </a:endParaRPr>
+          </a:p>
+          <a:p>
+            <a:pPr marL="114300" indent="0">
+              <a:buNone/>
+            </a:pPr>
+            <a:endParaRPr lang="en-IN" dirty="0">
+              <a:solidFill>
+                <a:schemeClr val="accent3"/>
+              </a:solidFill>
+            </a:endParaRPr>
+          </a:p>
+          <a:p>
+            <a:pPr marL="114300" indent="0">
+              <a:buNone/>
+            </a:pPr>
+            <a:endParaRPr lang="en-IN" dirty="0">
+              <a:solidFill>
+                <a:schemeClr val="accent3"/>
+              </a:solidFill>
+            </a:endParaRPr>
+          </a:p>
+          <a:p>
+            <a:pPr marL="114300" indent="0">
+              <a:buNone/>
+            </a:pPr>
+            <a:endParaRPr lang="en-IN" dirty="0">
+              <a:solidFill>
+                <a:schemeClr val="accent3"/>
+              </a:solidFill>
+            </a:endParaRPr>
+          </a:p>
+          <a:p>
+            <a:pPr marL="114300" indent="0">
+              <a:buNone/>
+            </a:pPr>
+            <a:endParaRPr lang="en-IN" dirty="0">
+              <a:solidFill>
+                <a:schemeClr val="accent3"/>
+              </a:solidFill>
+            </a:endParaRPr>
+          </a:p>
+          <a:p>
+            <a:pPr marL="114300" indent="0">
+              <a:buNone/>
+            </a:pPr>
+            <a:endParaRPr lang="en-IN" dirty="0">
+              <a:solidFill>
+                <a:schemeClr val="accent3"/>
+              </a:solidFill>
+            </a:endParaRPr>
+          </a:p>
+          <a:p>
+            <a:pPr marL="114300" indent="0">
+              <a:buNone/>
+            </a:pPr>
+            <a:endParaRPr lang="en-IN" dirty="0">
+              <a:solidFill>
+                <a:schemeClr val="accent3"/>
+              </a:solidFill>
+            </a:endParaRPr>
+          </a:p>
+          <a:p>
+            <a:pPr marL="114300" indent="0">
+              <a:buNone/>
+            </a:pPr>
+            <a:endParaRPr lang="en-IN" dirty="0">
+              <a:solidFill>
+                <a:schemeClr val="accent3"/>
+              </a:solidFill>
+            </a:endParaRPr>
+          </a:p>
+          <a:p>
+            <a:pPr marL="114300" indent="0">
+              <a:buNone/>
+            </a:pPr>
+            <a:endParaRPr lang="en-IN" dirty="0">
+              <a:solidFill>
+                <a:schemeClr val="accent3"/>
+              </a:solidFill>
+            </a:endParaRPr>
+          </a:p>
+          <a:p>
+            <a:pPr marL="114300" indent="0">
+              <a:buNone/>
+            </a:pPr>
+            <a:r>
+              <a:rPr lang="en-IN" dirty="0">
+                <a:solidFill>
+                  <a:schemeClr val="accent3"/>
+                </a:solidFill>
+              </a:rPr>
+              <a:t>Out of these 11 states, NJ and CA have highest churn rate of around 26.47%</a:t>
+            </a:r>
+          </a:p>
+        </p:txBody>
+      </p:sp>
+      <p:pic>
+        <p:nvPicPr>
+          <p:cNvPr id="4" name="Picture 3">
+            <a:extLst>
+              <a:ext uri="{FF2B5EF4-FFF2-40B4-BE49-F238E27FC236}">
+                <a16:creationId xmlns:a16="http://schemas.microsoft.com/office/drawing/2014/main" id="{A8C40499-A6FE-5768-2CF3-3073D485251F}"/>
+              </a:ext>
+            </a:extLst>
+          </p:cNvPr>
+          <p:cNvPicPr>
+            <a:picLocks noChangeAspect="1"/>
+          </p:cNvPicPr>
+          <p:nvPr/>
+        </p:nvPicPr>
+        <p:blipFill>
+          <a:blip r:embed="rId3"/>
+          <a:stretch>
+            <a:fillRect/>
+          </a:stretch>
+        </p:blipFill>
+        <p:spPr>
+          <a:xfrm>
+            <a:off x="2070413" y="1314028"/>
+            <a:ext cx="5003174" cy="2865120"/>
+          </a:xfrm>
+          <a:prstGeom prst="rect">
+            <a:avLst/>
+          </a:prstGeom>
+        </p:spPr>
+      </p:pic>
     </p:spTree>
     <p:extLst>
       <p:ext uri="{BB962C8B-B14F-4D97-AF65-F5344CB8AC3E}">
-        <p14:creationId xmlns:p14="http://schemas.microsoft.com/office/powerpoint/2010/main" val="515193623"/>
+        <p14:creationId xmlns:p14="http://schemas.microsoft.com/office/powerpoint/2010/main" val="1841440249"/>
       </p:ext>
     </p:extLst>
   </p:cSld>
@@ -12340,14 +12213,10 @@
             <a:spLocks noGrp="1"/>
           </p:cNvSpPr>
           <p:nvPr>
-            <p:ph type="ctrTitle"/>
+            <p:ph type="title"/>
           </p:nvPr>
         </p:nvSpPr>
         <p:spPr>
-          <a:xfrm>
-            <a:off x="315750" y="509500"/>
-            <a:ext cx="8512500" cy="3784800"/>
-          </a:xfrm>
           <a:prstGeom prst="rect">
             <a:avLst/>
           </a:prstGeom>
@@ -12375,9 +12244,9 @@
               <a:buSzPts val="5200"/>
               <a:buNone/>
             </a:pPr>
-            <a:endParaRPr sz="3600" b="1">
+            <a:endParaRPr b="1" dirty="0">
               <a:solidFill>
-                <a:schemeClr val="lt1"/>
+                <a:schemeClr val="tx1"/>
               </a:solidFill>
               <a:latin typeface="Montserrat"/>
               <a:ea typeface="Montserrat"/>
@@ -12399,9 +12268,9 @@
               <a:buSzPts val="5200"/>
               <a:buNone/>
             </a:pPr>
-            <a:endParaRPr sz="3600" b="1">
+            <a:endParaRPr b="1" dirty="0">
               <a:solidFill>
-                <a:schemeClr val="lt1"/>
+                <a:schemeClr val="tx1"/>
               </a:solidFill>
               <a:latin typeface="Montserrat"/>
               <a:ea typeface="Montserrat"/>
@@ -12420,9 +12289,21 @@
               <a:buSzPts val="5200"/>
               <a:buNone/>
             </a:pPr>
-            <a:endParaRPr sz="1600" b="1">
+            <a:r>
+              <a:rPr lang="en-US" b="1" dirty="0">
+                <a:solidFill>
+                  <a:schemeClr val="tx1"/>
+                </a:solidFill>
+                <a:latin typeface="Montserrat"/>
+                <a:ea typeface="Montserrat"/>
+                <a:cs typeface="Montserrat"/>
+                <a:sym typeface="Montserrat"/>
+              </a:rPr>
+              <a:t>International Plan Based Analysis</a:t>
+            </a:r>
+            <a:endParaRPr b="1" dirty="0">
               <a:solidFill>
-                <a:schemeClr val="lt1"/>
+                <a:schemeClr val="tx1"/>
               </a:solidFill>
               <a:latin typeface="Montserrat"/>
               <a:ea typeface="Montserrat"/>
@@ -12441,9 +12322,9 @@
               <a:buSzPts val="5200"/>
               <a:buNone/>
             </a:pPr>
-            <a:endParaRPr sz="1600" b="1">
+            <a:endParaRPr b="1" dirty="0">
               <a:solidFill>
-                <a:schemeClr val="lt1"/>
+                <a:schemeClr val="tx1"/>
               </a:solidFill>
               <a:latin typeface="Montserrat"/>
               <a:ea typeface="Montserrat"/>
@@ -12453,10 +12334,70 @@
           </a:p>
         </p:txBody>
       </p:sp>
+      <p:pic>
+        <p:nvPicPr>
+          <p:cNvPr id="3" name="Picture 2">
+            <a:extLst>
+              <a:ext uri="{FF2B5EF4-FFF2-40B4-BE49-F238E27FC236}">
+                <a16:creationId xmlns:a16="http://schemas.microsoft.com/office/drawing/2014/main" id="{3072D264-B7E0-FCD5-4EBF-EC8FF3443723}"/>
+              </a:ext>
+            </a:extLst>
+          </p:cNvPr>
+          <p:cNvPicPr>
+            <a:picLocks noChangeAspect="1"/>
+          </p:cNvPicPr>
+          <p:nvPr/>
+        </p:nvPicPr>
+        <p:blipFill>
+          <a:blip r:embed="rId3"/>
+          <a:stretch>
+            <a:fillRect/>
+          </a:stretch>
+        </p:blipFill>
+        <p:spPr>
+          <a:xfrm>
+            <a:off x="3702786" y="956765"/>
+            <a:ext cx="5003174" cy="3542857"/>
+          </a:xfrm>
+          <a:prstGeom prst="rect">
+            <a:avLst/>
+          </a:prstGeom>
+        </p:spPr>
+      </p:pic>
+      <p:pic>
+        <p:nvPicPr>
+          <p:cNvPr id="5" name="Picture 4">
+            <a:extLst>
+              <a:ext uri="{FF2B5EF4-FFF2-40B4-BE49-F238E27FC236}">
+                <a16:creationId xmlns:a16="http://schemas.microsoft.com/office/drawing/2014/main" id="{6E520AAC-E11F-0D57-437E-26A6281C18C0}"/>
+              </a:ext>
+            </a:extLst>
+          </p:cNvPr>
+          <p:cNvPicPr>
+            <a:picLocks noChangeAspect="1"/>
+          </p:cNvPicPr>
+          <p:nvPr/>
+        </p:nvPicPr>
+        <p:blipFill>
+          <a:blip r:embed="rId4"/>
+          <a:stretch>
+            <a:fillRect/>
+          </a:stretch>
+        </p:blipFill>
+        <p:spPr>
+          <a:xfrm>
+            <a:off x="551697" y="2007821"/>
+            <a:ext cx="2911092" cy="1127858"/>
+          </a:xfrm>
+          <a:prstGeom prst="rect">
+            <a:avLst/>
+          </a:prstGeom>
+        </p:spPr>
+      </p:pic>
     </p:spTree>
     <p:extLst>
       <p:ext uri="{BB962C8B-B14F-4D97-AF65-F5344CB8AC3E}">
-        <p14:creationId xmlns:p14="http://schemas.microsoft.com/office/powerpoint/2010/main" val="2746993976"/>
+        <p14:creationId xmlns:p14="http://schemas.microsoft.com/office/powerpoint/2010/main" val="4060707915"/>
       </p:ext>
     </p:extLst>
   </p:cSld>
@@ -12490,14 +12431,10 @@
             <a:spLocks noGrp="1"/>
           </p:cNvSpPr>
           <p:nvPr>
-            <p:ph type="ctrTitle"/>
+            <p:ph type="title"/>
           </p:nvPr>
         </p:nvSpPr>
         <p:spPr>
-          <a:xfrm>
-            <a:off x="315750" y="509500"/>
-            <a:ext cx="8512500" cy="3784800"/>
-          </a:xfrm>
           <a:prstGeom prst="rect">
             <a:avLst/>
           </a:prstGeom>
@@ -12525,9 +12462,9 @@
               <a:buSzPts val="5200"/>
               <a:buNone/>
             </a:pPr>
-            <a:endParaRPr sz="3600" b="1">
+            <a:endParaRPr b="1" dirty="0">
               <a:solidFill>
-                <a:schemeClr val="lt1"/>
+                <a:schemeClr val="tx1"/>
               </a:solidFill>
               <a:latin typeface="Montserrat"/>
               <a:ea typeface="Montserrat"/>
@@ -12549,9 +12486,9 @@
               <a:buSzPts val="5200"/>
               <a:buNone/>
             </a:pPr>
-            <a:endParaRPr sz="3600" b="1">
+            <a:endParaRPr b="1" dirty="0">
               <a:solidFill>
-                <a:schemeClr val="lt1"/>
+                <a:schemeClr val="tx1"/>
               </a:solidFill>
               <a:latin typeface="Montserrat"/>
               <a:ea typeface="Montserrat"/>
@@ -12570,9 +12507,21 @@
               <a:buSzPts val="5200"/>
               <a:buNone/>
             </a:pPr>
-            <a:endParaRPr sz="1600" b="1">
+            <a:r>
+              <a:rPr lang="en-US" b="1" dirty="0">
+                <a:solidFill>
+                  <a:schemeClr val="tx1"/>
+                </a:solidFill>
+                <a:latin typeface="Montserrat"/>
+                <a:ea typeface="Montserrat"/>
+                <a:cs typeface="Montserrat"/>
+                <a:sym typeface="Montserrat"/>
+              </a:rPr>
+              <a:t>Voice mail Plan Based Analysis</a:t>
+            </a:r>
+            <a:endParaRPr b="1" dirty="0">
               <a:solidFill>
-                <a:schemeClr val="lt1"/>
+                <a:schemeClr val="tx1"/>
               </a:solidFill>
               <a:latin typeface="Montserrat"/>
               <a:ea typeface="Montserrat"/>
@@ -12591,9 +12540,9 @@
               <a:buSzPts val="5200"/>
               <a:buNone/>
             </a:pPr>
-            <a:endParaRPr sz="1600" b="1">
+            <a:endParaRPr b="1" dirty="0">
               <a:solidFill>
-                <a:schemeClr val="lt1"/>
+                <a:schemeClr val="tx1"/>
               </a:solidFill>
               <a:latin typeface="Montserrat"/>
               <a:ea typeface="Montserrat"/>
@@ -12603,10 +12552,70 @@
           </a:p>
         </p:txBody>
       </p:sp>
+      <p:pic>
+        <p:nvPicPr>
+          <p:cNvPr id="9" name="Picture 8">
+            <a:extLst>
+              <a:ext uri="{FF2B5EF4-FFF2-40B4-BE49-F238E27FC236}">
+                <a16:creationId xmlns:a16="http://schemas.microsoft.com/office/drawing/2014/main" id="{97CD2302-D4CB-A453-C8D3-28A7B4E338CA}"/>
+              </a:ext>
+            </a:extLst>
+          </p:cNvPr>
+          <p:cNvPicPr>
+            <a:picLocks noChangeAspect="1"/>
+          </p:cNvPicPr>
+          <p:nvPr/>
+        </p:nvPicPr>
+        <p:blipFill>
+          <a:blip r:embed="rId3"/>
+          <a:stretch>
+            <a:fillRect/>
+          </a:stretch>
+        </p:blipFill>
+        <p:spPr>
+          <a:xfrm>
+            <a:off x="3956261" y="947544"/>
+            <a:ext cx="5079365" cy="3542857"/>
+          </a:xfrm>
+          <a:prstGeom prst="rect">
+            <a:avLst/>
+          </a:prstGeom>
+        </p:spPr>
+      </p:pic>
+      <p:pic>
+        <p:nvPicPr>
+          <p:cNvPr id="11" name="Picture 10">
+            <a:extLst>
+              <a:ext uri="{FF2B5EF4-FFF2-40B4-BE49-F238E27FC236}">
+                <a16:creationId xmlns:a16="http://schemas.microsoft.com/office/drawing/2014/main" id="{462E8E89-FCD1-6685-4F40-46F985029CBC}"/>
+              </a:ext>
+            </a:extLst>
+          </p:cNvPr>
+          <p:cNvPicPr>
+            <a:picLocks noChangeAspect="1"/>
+          </p:cNvPicPr>
+          <p:nvPr/>
+        </p:nvPicPr>
+        <p:blipFill>
+          <a:blip r:embed="rId4"/>
+          <a:stretch>
+            <a:fillRect/>
+          </a:stretch>
+        </p:blipFill>
+        <p:spPr>
+          <a:xfrm>
+            <a:off x="623272" y="2045924"/>
+            <a:ext cx="2370025" cy="1051651"/>
+          </a:xfrm>
+          <a:prstGeom prst="rect">
+            <a:avLst/>
+          </a:prstGeom>
+        </p:spPr>
+      </p:pic>
     </p:spTree>
     <p:extLst>
       <p:ext uri="{BB962C8B-B14F-4D97-AF65-F5344CB8AC3E}">
-        <p14:creationId xmlns:p14="http://schemas.microsoft.com/office/powerpoint/2010/main" val="2568498606"/>
+        <p14:creationId xmlns:p14="http://schemas.microsoft.com/office/powerpoint/2010/main" val="36850903"/>
       </p:ext>
     </p:extLst>
   </p:cSld>
@@ -12621,7 +12630,7 @@
   <p:cSld>
     <p:spTree>
       <p:nvGrpSpPr>
-        <p:cNvPr id="1" name="Shape 59"/>
+        <p:cNvPr id="1" name=""/>
         <p:cNvGrpSpPr/>
         <p:nvPr/>
       </p:nvGrpSpPr>
@@ -12635,128 +12644,37 @@
       </p:grpSpPr>
       <p:sp>
         <p:nvSpPr>
-          <p:cNvPr id="60" name="Google Shape;60;p14"/>
-          <p:cNvSpPr txBox="1">
+          <p:cNvPr id="2" name="Title 1">
+            <a:extLst>
+              <a:ext uri="{FF2B5EF4-FFF2-40B4-BE49-F238E27FC236}">
+                <a16:creationId xmlns:a16="http://schemas.microsoft.com/office/drawing/2014/main" id="{67E8CF77-246B-54DF-EB04-D20FF7818F24}"/>
+              </a:ext>
+            </a:extLst>
+          </p:cNvPr>
+          <p:cNvSpPr>
             <a:spLocks noGrp="1"/>
           </p:cNvSpPr>
           <p:nvPr>
-            <p:ph type="ctrTitle"/>
+            <p:ph type="title"/>
           </p:nvPr>
         </p:nvSpPr>
-        <p:spPr>
-          <a:xfrm>
-            <a:off x="315750" y="509500"/>
-            <a:ext cx="8512500" cy="3784800"/>
-          </a:xfrm>
-          <a:prstGeom prst="rect">
-            <a:avLst/>
-          </a:prstGeom>
-          <a:noFill/>
-          <a:ln>
-            <a:noFill/>
-          </a:ln>
-        </p:spPr>
+        <p:spPr/>
         <p:txBody>
-          <a:bodyPr spcFirstLastPara="1" wrap="square" lIns="91425" tIns="91425" rIns="91425" bIns="91425" anchor="b" anchorCtr="0">
-            <a:noAutofit/>
-          </a:bodyPr>
+          <a:bodyPr/>
           <a:lstStyle/>
           <a:p>
-            <a:pPr marL="0" lvl="0" indent="0" algn="l" rtl="0">
-              <a:lnSpc>
-                <a:spcPct val="100000"/>
-              </a:lnSpc>
-              <a:spcBef>
-                <a:spcPts val="0"/>
-              </a:spcBef>
-              <a:spcAft>
-                <a:spcPts val="0"/>
-              </a:spcAft>
-              <a:buSzPts val="5200"/>
-              <a:buNone/>
-            </a:pPr>
-            <a:endParaRPr sz="3600" b="1">
-              <a:solidFill>
-                <a:schemeClr val="lt1"/>
-              </a:solidFill>
-              <a:latin typeface="Montserrat"/>
-              <a:ea typeface="Montserrat"/>
-              <a:cs typeface="Montserrat"/>
-              <a:sym typeface="Montserrat"/>
-            </a:endParaRPr>
-          </a:p>
-          <a:p>
-            <a:pPr marL="0" lvl="0" indent="0" algn="ctr" rtl="0">
-              <a:lnSpc>
-                <a:spcPct val="100000"/>
-              </a:lnSpc>
-              <a:spcBef>
-                <a:spcPts val="0"/>
-              </a:spcBef>
-              <a:spcAft>
-                <a:spcPts val="0"/>
-              </a:spcAft>
-              <a:buSzPts val="5200"/>
-              <a:buNone/>
-            </a:pPr>
-            <a:endParaRPr sz="3600" b="1">
-              <a:solidFill>
-                <a:schemeClr val="lt1"/>
-              </a:solidFill>
-              <a:latin typeface="Montserrat"/>
-              <a:ea typeface="Montserrat"/>
-              <a:cs typeface="Montserrat"/>
-              <a:sym typeface="Montserrat"/>
-            </a:endParaRPr>
-          </a:p>
-          <a:p>
-            <a:pPr marL="0" lvl="0" indent="0" algn="ctr" rtl="0">
-              <a:spcBef>
-                <a:spcPts val="0"/>
-              </a:spcBef>
-              <a:spcAft>
-                <a:spcPts val="0"/>
-              </a:spcAft>
-              <a:buSzPts val="5200"/>
-              <a:buNone/>
-            </a:pPr>
-            <a:endParaRPr sz="1600" b="1">
-              <a:solidFill>
-                <a:schemeClr val="lt1"/>
-              </a:solidFill>
-              <a:latin typeface="Montserrat"/>
-              <a:ea typeface="Montserrat"/>
-              <a:cs typeface="Montserrat"/>
-              <a:sym typeface="Montserrat"/>
-            </a:endParaRPr>
-          </a:p>
-          <a:p>
-            <a:pPr marL="0" lvl="0" indent="0" algn="ctr" rtl="0">
-              <a:spcBef>
-                <a:spcPts val="0"/>
-              </a:spcBef>
-              <a:spcAft>
-                <a:spcPts val="0"/>
-              </a:spcAft>
-              <a:buSzPts val="5200"/>
-              <a:buNone/>
-            </a:pPr>
-            <a:endParaRPr sz="1600" b="1">
-              <a:solidFill>
-                <a:schemeClr val="lt1"/>
-              </a:solidFill>
-              <a:latin typeface="Montserrat"/>
-              <a:ea typeface="Montserrat"/>
-              <a:cs typeface="Montserrat"/>
-              <a:sym typeface="Montserrat"/>
-            </a:endParaRPr>
+            <a:r>
+              <a:rPr lang="en-US" sz="2700" dirty="0"/>
+              <a:t>Analysis Based on Number of Customer Service Calls</a:t>
+            </a:r>
+            <a:endParaRPr lang="en-IN" sz="2700" dirty="0"/>
           </a:p>
         </p:txBody>
       </p:sp>
     </p:spTree>
     <p:extLst>
       <p:ext uri="{BB962C8B-B14F-4D97-AF65-F5344CB8AC3E}">
-        <p14:creationId xmlns:p14="http://schemas.microsoft.com/office/powerpoint/2010/main" val="2502018828"/>
+        <p14:creationId xmlns:p14="http://schemas.microsoft.com/office/powerpoint/2010/main" val="863495524"/>
       </p:ext>
     </p:extLst>
   </p:cSld>
@@ -12790,14 +12708,10 @@
             <a:spLocks noGrp="1"/>
           </p:cNvSpPr>
           <p:nvPr>
-            <p:ph type="ctrTitle"/>
+            <p:ph type="title"/>
           </p:nvPr>
         </p:nvSpPr>
         <p:spPr>
-          <a:xfrm>
-            <a:off x="315750" y="509500"/>
-            <a:ext cx="8512500" cy="3784800"/>
-          </a:xfrm>
           <a:prstGeom prst="rect">
             <a:avLst/>
           </a:prstGeom>
@@ -12812,7 +12726,7 @@
           </a:bodyPr>
           <a:lstStyle/>
           <a:p>
-            <a:pPr marL="0" lvl="0" indent="0" algn="l" rtl="0">
+            <a:pPr marL="0" lvl="0" indent="0" rtl="0">
               <a:lnSpc>
                 <a:spcPct val="100000"/>
               </a:lnSpc>
@@ -12825,9 +12739,9 @@
               <a:buSzPts val="5200"/>
               <a:buNone/>
             </a:pPr>
-            <a:endParaRPr sz="3600" b="1">
+            <a:endParaRPr b="1" dirty="0">
               <a:solidFill>
-                <a:schemeClr val="lt1"/>
+                <a:schemeClr val="tx1"/>
               </a:solidFill>
               <a:latin typeface="Montserrat"/>
               <a:ea typeface="Montserrat"/>
@@ -12836,7 +12750,7 @@
             </a:endParaRPr>
           </a:p>
           <a:p>
-            <a:pPr marL="0" lvl="0" indent="0" algn="ctr" rtl="0">
+            <a:pPr marL="0" lvl="0" indent="0" rtl="0">
               <a:lnSpc>
                 <a:spcPct val="100000"/>
               </a:lnSpc>
@@ -12849,9 +12763,9 @@
               <a:buSzPts val="5200"/>
               <a:buNone/>
             </a:pPr>
-            <a:endParaRPr sz="3600" b="1">
+            <a:endParaRPr b="1" dirty="0">
               <a:solidFill>
-                <a:schemeClr val="lt1"/>
+                <a:schemeClr val="tx1"/>
               </a:solidFill>
               <a:latin typeface="Montserrat"/>
               <a:ea typeface="Montserrat"/>
@@ -12860,7 +12774,7 @@
             </a:endParaRPr>
           </a:p>
           <a:p>
-            <a:pPr marL="0" lvl="0" indent="0" algn="ctr" rtl="0">
+            <a:pPr marL="0" lvl="0" indent="0" rtl="0">
               <a:spcBef>
                 <a:spcPts val="0"/>
               </a:spcBef>
@@ -12870,9 +12784,21 @@
               <a:buSzPts val="5200"/>
               <a:buNone/>
             </a:pPr>
-            <a:endParaRPr sz="1600" b="1">
+            <a:r>
+              <a:rPr lang="en-US" b="1" dirty="0">
+                <a:solidFill>
+                  <a:schemeClr val="tx1"/>
+                </a:solidFill>
+                <a:latin typeface="Montserrat"/>
+                <a:ea typeface="Montserrat"/>
+                <a:cs typeface="Montserrat"/>
+                <a:sym typeface="Montserrat"/>
+              </a:rPr>
+              <a:t>Observations</a:t>
+            </a:r>
+            <a:endParaRPr b="1" dirty="0">
               <a:solidFill>
-                <a:schemeClr val="lt1"/>
+                <a:schemeClr val="tx1"/>
               </a:solidFill>
               <a:latin typeface="Montserrat"/>
               <a:ea typeface="Montserrat"/>
@@ -12881,7 +12807,7 @@
             </a:endParaRPr>
           </a:p>
           <a:p>
-            <a:pPr marL="0" lvl="0" indent="0" algn="ctr" rtl="0">
+            <a:pPr marL="0" lvl="0" indent="0" rtl="0">
               <a:spcBef>
                 <a:spcPts val="0"/>
               </a:spcBef>
@@ -12891,9 +12817,9 @@
               <a:buSzPts val="5200"/>
               <a:buNone/>
             </a:pPr>
-            <a:endParaRPr sz="1600" b="1">
+            <a:endParaRPr b="1" dirty="0">
               <a:solidFill>
-                <a:schemeClr val="lt1"/>
+                <a:schemeClr val="tx1"/>
               </a:solidFill>
               <a:latin typeface="Montserrat"/>
               <a:ea typeface="Montserrat"/>
@@ -12903,10 +12829,122 @@
           </a:p>
         </p:txBody>
       </p:sp>
+      <p:sp>
+        <p:nvSpPr>
+          <p:cNvPr id="2" name="Text Placeholder 1">
+            <a:extLst>
+              <a:ext uri="{FF2B5EF4-FFF2-40B4-BE49-F238E27FC236}">
+                <a16:creationId xmlns:a16="http://schemas.microsoft.com/office/drawing/2014/main" id="{5D2058AE-F000-E5BB-10EA-7E7094784C9D}"/>
+              </a:ext>
+            </a:extLst>
+          </p:cNvPr>
+          <p:cNvSpPr>
+            <a:spLocks noGrp="1"/>
+          </p:cNvSpPr>
+          <p:nvPr>
+            <p:ph type="body" idx="1"/>
+          </p:nvPr>
+        </p:nvSpPr>
+        <p:spPr>
+          <a:xfrm>
+            <a:off x="311700" y="541867"/>
+            <a:ext cx="8520600" cy="4027008"/>
+          </a:xfrm>
+        </p:spPr>
+        <p:txBody>
+          <a:bodyPr/>
+          <a:lstStyle/>
+          <a:p>
+            <a:pPr>
+              <a:buClr>
+                <a:schemeClr val="accent3"/>
+              </a:buClr>
+              <a:buFont typeface="Arial" panose="020B0604020202020204" pitchFamily="34" charset="0"/>
+              <a:buChar char="•"/>
+            </a:pPr>
+            <a:r>
+              <a:rPr lang="en-US" sz="2200" dirty="0">
+                <a:solidFill>
+                  <a:schemeClr val="accent3"/>
+                </a:solidFill>
+              </a:rPr>
+              <a:t>Users with International Plan tend to Churn more frequently.</a:t>
+            </a:r>
+          </a:p>
+          <a:p>
+            <a:pPr>
+              <a:buClr>
+                <a:schemeClr val="accent3"/>
+              </a:buClr>
+              <a:buFont typeface="Arial" panose="020B0604020202020204" pitchFamily="34" charset="0"/>
+              <a:buChar char="•"/>
+            </a:pPr>
+            <a:r>
+              <a:rPr lang="en-US" sz="2200" dirty="0">
+                <a:solidFill>
+                  <a:schemeClr val="accent3"/>
+                </a:solidFill>
+              </a:rPr>
+              <a:t>11 States out of 51 States have more than 20% Churn rate indicating the Telecom service is not up to expectations in those states.</a:t>
+            </a:r>
+          </a:p>
+          <a:p>
+            <a:pPr>
+              <a:buClr>
+                <a:schemeClr val="accent3"/>
+              </a:buClr>
+              <a:buFont typeface="Arial" panose="020B0604020202020204" pitchFamily="34" charset="0"/>
+              <a:buChar char="•"/>
+            </a:pPr>
+            <a:r>
+              <a:rPr lang="en-US" sz="2200" dirty="0">
+                <a:solidFill>
+                  <a:schemeClr val="accent3"/>
+                </a:solidFill>
+              </a:rPr>
+              <a:t>Uses with Voice mail plan have very low Churn rate than others which implies that Voice mail plan of Telecom service is good.</a:t>
+            </a:r>
+          </a:p>
+          <a:p>
+            <a:pPr>
+              <a:buClr>
+                <a:schemeClr val="accent3"/>
+              </a:buClr>
+              <a:buFont typeface="Arial" panose="020B0604020202020204" pitchFamily="34" charset="0"/>
+              <a:buChar char="•"/>
+            </a:pPr>
+            <a:r>
+              <a:rPr lang="en-IN" sz="2200" dirty="0">
+                <a:solidFill>
+                  <a:schemeClr val="accent3"/>
+                </a:solidFill>
+              </a:rPr>
+              <a:t>There’s almost no(near to zero) correlation among day, evening and night time.</a:t>
+            </a:r>
+          </a:p>
+          <a:p>
+            <a:pPr>
+              <a:buClr>
+                <a:schemeClr val="accent3"/>
+              </a:buClr>
+              <a:buFont typeface="Arial" panose="020B0604020202020204" pitchFamily="34" charset="0"/>
+              <a:buChar char="•"/>
+            </a:pPr>
+            <a:r>
+              <a:rPr lang="en-IN" sz="2200" dirty="0">
+                <a:solidFill>
+                  <a:schemeClr val="accent3"/>
+                </a:solidFill>
+              </a:rPr>
+              <a:t>Users with 4 or more customer service calls Churned more than 4 times as often as other users</a:t>
+            </a:r>
+          </a:p>
+        </p:txBody>
+      </p:sp>
     </p:spTree>
     <p:extLst>
       <p:ext uri="{BB962C8B-B14F-4D97-AF65-F5344CB8AC3E}">
-        <p14:creationId xmlns:p14="http://schemas.microsoft.com/office/powerpoint/2010/main" val="3922238487"/>
+        <p14:creationId xmlns:p14="http://schemas.microsoft.com/office/powerpoint/2010/main" val="515193623"/>
       </p:ext>
     </p:extLst>
   </p:cSld>
@@ -12945,8 +12983,8 @@
         </p:nvSpPr>
         <p:spPr>
           <a:xfrm>
-            <a:off x="315750" y="509500"/>
-            <a:ext cx="8512500" cy="3784800"/>
+            <a:off x="315750" y="2120054"/>
+            <a:ext cx="8512500" cy="839894"/>
           </a:xfrm>
           <a:prstGeom prst="rect">
             <a:avLst/>
@@ -12975,9 +13013,9 @@
               <a:buSzPts val="5200"/>
               <a:buNone/>
             </a:pPr>
-            <a:endParaRPr sz="3600" b="1">
+            <a:endParaRPr sz="3200" b="1" dirty="0">
               <a:solidFill>
-                <a:schemeClr val="lt1"/>
+                <a:schemeClr val="tx1"/>
               </a:solidFill>
               <a:latin typeface="Montserrat"/>
               <a:ea typeface="Montserrat"/>
@@ -12999,9 +13037,9 @@
               <a:buSzPts val="5200"/>
               <a:buNone/>
             </a:pPr>
-            <a:endParaRPr sz="3600" b="1">
+            <a:endParaRPr sz="3200" b="1" dirty="0">
               <a:solidFill>
-                <a:schemeClr val="lt1"/>
+                <a:schemeClr val="tx1"/>
               </a:solidFill>
               <a:latin typeface="Montserrat"/>
               <a:ea typeface="Montserrat"/>
@@ -13020,9 +13058,21 @@
               <a:buSzPts val="5200"/>
               <a:buNone/>
             </a:pPr>
-            <a:endParaRPr sz="1600" b="1">
+            <a:r>
+              <a:rPr lang="en-US" sz="3200" b="1" dirty="0">
+                <a:solidFill>
+                  <a:schemeClr val="tx1"/>
+                </a:solidFill>
+                <a:latin typeface="Montserrat"/>
+                <a:ea typeface="Montserrat"/>
+                <a:cs typeface="Montserrat"/>
+                <a:sym typeface="Montserrat"/>
+              </a:rPr>
+              <a:t>THANK YOU</a:t>
+            </a:r>
+            <a:endParaRPr sz="3200" b="1" dirty="0">
               <a:solidFill>
-                <a:schemeClr val="lt1"/>
+                <a:schemeClr val="tx1"/>
               </a:solidFill>
               <a:latin typeface="Montserrat"/>
               <a:ea typeface="Montserrat"/>
@@ -13041,9 +13091,9 @@
               <a:buSzPts val="5200"/>
               <a:buNone/>
             </a:pPr>
-            <a:endParaRPr sz="1600" b="1">
+            <a:endParaRPr sz="3200" b="1" dirty="0">
               <a:solidFill>
-                <a:schemeClr val="lt1"/>
+                <a:schemeClr val="tx1"/>
               </a:solidFill>
               <a:latin typeface="Montserrat"/>
               <a:ea typeface="Montserrat"/>
@@ -13056,157 +13106,7 @@
     </p:spTree>
     <p:extLst>
       <p:ext uri="{BB962C8B-B14F-4D97-AF65-F5344CB8AC3E}">
-        <p14:creationId xmlns:p14="http://schemas.microsoft.com/office/powerpoint/2010/main" val="241173645"/>
-      </p:ext>
-    </p:extLst>
-  </p:cSld>
-  <p:clrMapOvr>
-    <a:masterClrMapping/>
-  </p:clrMapOvr>
-</p:sld>
-</file>
-
-<file path=ppt/slides/slide19.xml><?xml version="1.0" encoding="utf-8"?>
-<p:sld xmlns:a="http://schemas.openxmlformats.org/drawingml/2006/main" xmlns:r="http://schemas.openxmlformats.org/officeDocument/2006/relationships" xmlns:p="http://schemas.openxmlformats.org/presentationml/2006/main">
-  <p:cSld>
-    <p:spTree>
-      <p:nvGrpSpPr>
-        <p:cNvPr id="1" name="Shape 59"/>
-        <p:cNvGrpSpPr/>
-        <p:nvPr/>
-      </p:nvGrpSpPr>
-      <p:grpSpPr>
-        <a:xfrm>
-          <a:off x="0" y="0"/>
-          <a:ext cx="0" cy="0"/>
-          <a:chOff x="0" y="0"/>
-          <a:chExt cx="0" cy="0"/>
-        </a:xfrm>
-      </p:grpSpPr>
-      <p:sp>
-        <p:nvSpPr>
-          <p:cNvPr id="60" name="Google Shape;60;p14"/>
-          <p:cNvSpPr txBox="1">
-            <a:spLocks noGrp="1"/>
-          </p:cNvSpPr>
-          <p:nvPr>
-            <p:ph type="ctrTitle"/>
-          </p:nvPr>
-        </p:nvSpPr>
-        <p:spPr>
-          <a:xfrm>
-            <a:off x="315750" y="509500"/>
-            <a:ext cx="8512500" cy="3784800"/>
-          </a:xfrm>
-          <a:prstGeom prst="rect">
-            <a:avLst/>
-          </a:prstGeom>
-          <a:noFill/>
-          <a:ln>
-            <a:noFill/>
-          </a:ln>
-        </p:spPr>
-        <p:txBody>
-          <a:bodyPr spcFirstLastPara="1" wrap="square" lIns="91425" tIns="91425" rIns="91425" bIns="91425" anchor="b" anchorCtr="0">
-            <a:noAutofit/>
-          </a:bodyPr>
-          <a:lstStyle/>
-          <a:p>
-            <a:pPr marL="0" lvl="0" indent="0" algn="l" rtl="0">
-              <a:lnSpc>
-                <a:spcPct val="100000"/>
-              </a:lnSpc>
-              <a:spcBef>
-                <a:spcPts val="0"/>
-              </a:spcBef>
-              <a:spcAft>
-                <a:spcPts val="0"/>
-              </a:spcAft>
-              <a:buSzPts val="5200"/>
-              <a:buNone/>
-            </a:pPr>
-            <a:endParaRPr sz="3600" b="1">
-              <a:solidFill>
-                <a:schemeClr val="lt1"/>
-              </a:solidFill>
-              <a:latin typeface="Montserrat"/>
-              <a:ea typeface="Montserrat"/>
-              <a:cs typeface="Montserrat"/>
-              <a:sym typeface="Montserrat"/>
-            </a:endParaRPr>
-          </a:p>
-          <a:p>
-            <a:pPr marL="0" lvl="0" indent="0" algn="ctr" rtl="0">
-              <a:lnSpc>
-                <a:spcPct val="100000"/>
-              </a:lnSpc>
-              <a:spcBef>
-                <a:spcPts val="0"/>
-              </a:spcBef>
-              <a:spcAft>
-                <a:spcPts val="0"/>
-              </a:spcAft>
-              <a:buSzPts val="5200"/>
-              <a:buNone/>
-            </a:pPr>
-            <a:endParaRPr sz="3600" b="1">
-              <a:solidFill>
-                <a:schemeClr val="lt1"/>
-              </a:solidFill>
-              <a:latin typeface="Montserrat"/>
-              <a:ea typeface="Montserrat"/>
-              <a:cs typeface="Montserrat"/>
-              <a:sym typeface="Montserrat"/>
-            </a:endParaRPr>
-          </a:p>
-          <a:p>
-            <a:pPr marL="0" lvl="0" indent="0" algn="ctr" rtl="0">
-              <a:spcBef>
-                <a:spcPts val="0"/>
-              </a:spcBef>
-              <a:spcAft>
-                <a:spcPts val="0"/>
-              </a:spcAft>
-              <a:buSzPts val="5200"/>
-              <a:buNone/>
-            </a:pPr>
-            <a:endParaRPr sz="1600" b="1">
-              <a:solidFill>
-                <a:schemeClr val="lt1"/>
-              </a:solidFill>
-              <a:latin typeface="Montserrat"/>
-              <a:ea typeface="Montserrat"/>
-              <a:cs typeface="Montserrat"/>
-              <a:sym typeface="Montserrat"/>
-            </a:endParaRPr>
-          </a:p>
-          <a:p>
-            <a:pPr marL="0" lvl="0" indent="0" algn="ctr" rtl="0">
-              <a:spcBef>
-                <a:spcPts val="0"/>
-              </a:spcBef>
-              <a:spcAft>
-                <a:spcPts val="0"/>
-              </a:spcAft>
-              <a:buSzPts val="5200"/>
-              <a:buNone/>
-            </a:pPr>
-            <a:endParaRPr sz="1600" b="1">
-              <a:solidFill>
-                <a:schemeClr val="lt1"/>
-              </a:solidFill>
-              <a:latin typeface="Montserrat"/>
-              <a:ea typeface="Montserrat"/>
-              <a:cs typeface="Montserrat"/>
-              <a:sym typeface="Montserrat"/>
-            </a:endParaRPr>
-          </a:p>
-        </p:txBody>
-      </p:sp>
-    </p:spTree>
-    <p:extLst>
-      <p:ext uri="{BB962C8B-B14F-4D97-AF65-F5344CB8AC3E}">
-        <p14:creationId xmlns:p14="http://schemas.microsoft.com/office/powerpoint/2010/main" val="2741792324"/>
+        <p14:creationId xmlns:p14="http://schemas.microsoft.com/office/powerpoint/2010/main" val="2746993976"/>
       </p:ext>
     </p:extLst>
   </p:cSld>
@@ -13394,456 +13294,6 @@
         </p:txBody>
       </p:sp>
     </p:spTree>
-  </p:cSld>
-  <p:clrMapOvr>
-    <a:masterClrMapping/>
-  </p:clrMapOvr>
-</p:sld>
-</file>
-
-<file path=ppt/slides/slide20.xml><?xml version="1.0" encoding="utf-8"?>
-<p:sld xmlns:a="http://schemas.openxmlformats.org/drawingml/2006/main" xmlns:r="http://schemas.openxmlformats.org/officeDocument/2006/relationships" xmlns:p="http://schemas.openxmlformats.org/presentationml/2006/main">
-  <p:cSld>
-    <p:spTree>
-      <p:nvGrpSpPr>
-        <p:cNvPr id="1" name="Shape 59"/>
-        <p:cNvGrpSpPr/>
-        <p:nvPr/>
-      </p:nvGrpSpPr>
-      <p:grpSpPr>
-        <a:xfrm>
-          <a:off x="0" y="0"/>
-          <a:ext cx="0" cy="0"/>
-          <a:chOff x="0" y="0"/>
-          <a:chExt cx="0" cy="0"/>
-        </a:xfrm>
-      </p:grpSpPr>
-      <p:sp>
-        <p:nvSpPr>
-          <p:cNvPr id="60" name="Google Shape;60;p14"/>
-          <p:cNvSpPr txBox="1">
-            <a:spLocks noGrp="1"/>
-          </p:cNvSpPr>
-          <p:nvPr>
-            <p:ph type="ctrTitle"/>
-          </p:nvPr>
-        </p:nvSpPr>
-        <p:spPr>
-          <a:xfrm>
-            <a:off x="315750" y="509500"/>
-            <a:ext cx="8512500" cy="3784800"/>
-          </a:xfrm>
-          <a:prstGeom prst="rect">
-            <a:avLst/>
-          </a:prstGeom>
-          <a:noFill/>
-          <a:ln>
-            <a:noFill/>
-          </a:ln>
-        </p:spPr>
-        <p:txBody>
-          <a:bodyPr spcFirstLastPara="1" wrap="square" lIns="91425" tIns="91425" rIns="91425" bIns="91425" anchor="b" anchorCtr="0">
-            <a:noAutofit/>
-          </a:bodyPr>
-          <a:lstStyle/>
-          <a:p>
-            <a:pPr marL="0" lvl="0" indent="0" algn="l" rtl="0">
-              <a:lnSpc>
-                <a:spcPct val="100000"/>
-              </a:lnSpc>
-              <a:spcBef>
-                <a:spcPts val="0"/>
-              </a:spcBef>
-              <a:spcAft>
-                <a:spcPts val="0"/>
-              </a:spcAft>
-              <a:buSzPts val="5200"/>
-              <a:buNone/>
-            </a:pPr>
-            <a:endParaRPr sz="3600" b="1">
-              <a:solidFill>
-                <a:schemeClr val="lt1"/>
-              </a:solidFill>
-              <a:latin typeface="Montserrat"/>
-              <a:ea typeface="Montserrat"/>
-              <a:cs typeface="Montserrat"/>
-              <a:sym typeface="Montserrat"/>
-            </a:endParaRPr>
-          </a:p>
-          <a:p>
-            <a:pPr marL="0" lvl="0" indent="0" algn="ctr" rtl="0">
-              <a:lnSpc>
-                <a:spcPct val="100000"/>
-              </a:lnSpc>
-              <a:spcBef>
-                <a:spcPts val="0"/>
-              </a:spcBef>
-              <a:spcAft>
-                <a:spcPts val="0"/>
-              </a:spcAft>
-              <a:buSzPts val="5200"/>
-              <a:buNone/>
-            </a:pPr>
-            <a:endParaRPr sz="3600" b="1">
-              <a:solidFill>
-                <a:schemeClr val="lt1"/>
-              </a:solidFill>
-              <a:latin typeface="Montserrat"/>
-              <a:ea typeface="Montserrat"/>
-              <a:cs typeface="Montserrat"/>
-              <a:sym typeface="Montserrat"/>
-            </a:endParaRPr>
-          </a:p>
-          <a:p>
-            <a:pPr marL="0" lvl="0" indent="0" algn="ctr" rtl="0">
-              <a:spcBef>
-                <a:spcPts val="0"/>
-              </a:spcBef>
-              <a:spcAft>
-                <a:spcPts val="0"/>
-              </a:spcAft>
-              <a:buSzPts val="5200"/>
-              <a:buNone/>
-            </a:pPr>
-            <a:endParaRPr sz="1600" b="1">
-              <a:solidFill>
-                <a:schemeClr val="lt1"/>
-              </a:solidFill>
-              <a:latin typeface="Montserrat"/>
-              <a:ea typeface="Montserrat"/>
-              <a:cs typeface="Montserrat"/>
-              <a:sym typeface="Montserrat"/>
-            </a:endParaRPr>
-          </a:p>
-          <a:p>
-            <a:pPr marL="0" lvl="0" indent="0" algn="ctr" rtl="0">
-              <a:spcBef>
-                <a:spcPts val="0"/>
-              </a:spcBef>
-              <a:spcAft>
-                <a:spcPts val="0"/>
-              </a:spcAft>
-              <a:buSzPts val="5200"/>
-              <a:buNone/>
-            </a:pPr>
-            <a:endParaRPr sz="1600" b="1">
-              <a:solidFill>
-                <a:schemeClr val="lt1"/>
-              </a:solidFill>
-              <a:latin typeface="Montserrat"/>
-              <a:ea typeface="Montserrat"/>
-              <a:cs typeface="Montserrat"/>
-              <a:sym typeface="Montserrat"/>
-            </a:endParaRPr>
-          </a:p>
-        </p:txBody>
-      </p:sp>
-    </p:spTree>
-    <p:extLst>
-      <p:ext uri="{BB962C8B-B14F-4D97-AF65-F5344CB8AC3E}">
-        <p14:creationId xmlns:p14="http://schemas.microsoft.com/office/powerpoint/2010/main" val="3906381199"/>
-      </p:ext>
-    </p:extLst>
-  </p:cSld>
-  <p:clrMapOvr>
-    <a:masterClrMapping/>
-  </p:clrMapOvr>
-</p:sld>
-</file>
-
-<file path=ppt/slides/slide21.xml><?xml version="1.0" encoding="utf-8"?>
-<p:sld xmlns:a="http://schemas.openxmlformats.org/drawingml/2006/main" xmlns:r="http://schemas.openxmlformats.org/officeDocument/2006/relationships" xmlns:p="http://schemas.openxmlformats.org/presentationml/2006/main">
-  <p:cSld>
-    <p:spTree>
-      <p:nvGrpSpPr>
-        <p:cNvPr id="1" name="Shape 59"/>
-        <p:cNvGrpSpPr/>
-        <p:nvPr/>
-      </p:nvGrpSpPr>
-      <p:grpSpPr>
-        <a:xfrm>
-          <a:off x="0" y="0"/>
-          <a:ext cx="0" cy="0"/>
-          <a:chOff x="0" y="0"/>
-          <a:chExt cx="0" cy="0"/>
-        </a:xfrm>
-      </p:grpSpPr>
-      <p:sp>
-        <p:nvSpPr>
-          <p:cNvPr id="60" name="Google Shape;60;p14"/>
-          <p:cNvSpPr txBox="1">
-            <a:spLocks noGrp="1"/>
-          </p:cNvSpPr>
-          <p:nvPr>
-            <p:ph type="ctrTitle"/>
-          </p:nvPr>
-        </p:nvSpPr>
-        <p:spPr>
-          <a:xfrm>
-            <a:off x="315750" y="509500"/>
-            <a:ext cx="8512500" cy="3784800"/>
-          </a:xfrm>
-          <a:prstGeom prst="rect">
-            <a:avLst/>
-          </a:prstGeom>
-          <a:noFill/>
-          <a:ln>
-            <a:noFill/>
-          </a:ln>
-        </p:spPr>
-        <p:txBody>
-          <a:bodyPr spcFirstLastPara="1" wrap="square" lIns="91425" tIns="91425" rIns="91425" bIns="91425" anchor="b" anchorCtr="0">
-            <a:noAutofit/>
-          </a:bodyPr>
-          <a:lstStyle/>
-          <a:p>
-            <a:pPr marL="0" lvl="0" indent="0" algn="l" rtl="0">
-              <a:lnSpc>
-                <a:spcPct val="100000"/>
-              </a:lnSpc>
-              <a:spcBef>
-                <a:spcPts val="0"/>
-              </a:spcBef>
-              <a:spcAft>
-                <a:spcPts val="0"/>
-              </a:spcAft>
-              <a:buSzPts val="5200"/>
-              <a:buNone/>
-            </a:pPr>
-            <a:endParaRPr sz="3600" b="1">
-              <a:solidFill>
-                <a:schemeClr val="lt1"/>
-              </a:solidFill>
-              <a:latin typeface="Montserrat"/>
-              <a:ea typeface="Montserrat"/>
-              <a:cs typeface="Montserrat"/>
-              <a:sym typeface="Montserrat"/>
-            </a:endParaRPr>
-          </a:p>
-          <a:p>
-            <a:pPr marL="0" lvl="0" indent="0" algn="ctr" rtl="0">
-              <a:lnSpc>
-                <a:spcPct val="100000"/>
-              </a:lnSpc>
-              <a:spcBef>
-                <a:spcPts val="0"/>
-              </a:spcBef>
-              <a:spcAft>
-                <a:spcPts val="0"/>
-              </a:spcAft>
-              <a:buSzPts val="5200"/>
-              <a:buNone/>
-            </a:pPr>
-            <a:endParaRPr sz="3600" b="1">
-              <a:solidFill>
-                <a:schemeClr val="lt1"/>
-              </a:solidFill>
-              <a:latin typeface="Montserrat"/>
-              <a:ea typeface="Montserrat"/>
-              <a:cs typeface="Montserrat"/>
-              <a:sym typeface="Montserrat"/>
-            </a:endParaRPr>
-          </a:p>
-          <a:p>
-            <a:pPr marL="0" lvl="0" indent="0" algn="ctr" rtl="0">
-              <a:spcBef>
-                <a:spcPts val="0"/>
-              </a:spcBef>
-              <a:spcAft>
-                <a:spcPts val="0"/>
-              </a:spcAft>
-              <a:buSzPts val="5200"/>
-              <a:buNone/>
-            </a:pPr>
-            <a:endParaRPr sz="1600" b="1">
-              <a:solidFill>
-                <a:schemeClr val="lt1"/>
-              </a:solidFill>
-              <a:latin typeface="Montserrat"/>
-              <a:ea typeface="Montserrat"/>
-              <a:cs typeface="Montserrat"/>
-              <a:sym typeface="Montserrat"/>
-            </a:endParaRPr>
-          </a:p>
-          <a:p>
-            <a:pPr marL="0" lvl="0" indent="0" algn="ctr" rtl="0">
-              <a:spcBef>
-                <a:spcPts val="0"/>
-              </a:spcBef>
-              <a:spcAft>
-                <a:spcPts val="0"/>
-              </a:spcAft>
-              <a:buSzPts val="5200"/>
-              <a:buNone/>
-            </a:pPr>
-            <a:endParaRPr sz="1600" b="1">
-              <a:solidFill>
-                <a:schemeClr val="lt1"/>
-              </a:solidFill>
-              <a:latin typeface="Montserrat"/>
-              <a:ea typeface="Montserrat"/>
-              <a:cs typeface="Montserrat"/>
-              <a:sym typeface="Montserrat"/>
-            </a:endParaRPr>
-          </a:p>
-        </p:txBody>
-      </p:sp>
-    </p:spTree>
-    <p:extLst>
-      <p:ext uri="{BB962C8B-B14F-4D97-AF65-F5344CB8AC3E}">
-        <p14:creationId xmlns:p14="http://schemas.microsoft.com/office/powerpoint/2010/main" val="2706282348"/>
-      </p:ext>
-    </p:extLst>
-  </p:cSld>
-  <p:clrMapOvr>
-    <a:masterClrMapping/>
-  </p:clrMapOvr>
-</p:sld>
-</file>
-
-<file path=ppt/slides/slide22.xml><?xml version="1.0" encoding="utf-8"?>
-<p:sld xmlns:a="http://schemas.openxmlformats.org/drawingml/2006/main" xmlns:r="http://schemas.openxmlformats.org/officeDocument/2006/relationships" xmlns:p="http://schemas.openxmlformats.org/presentationml/2006/main">
-  <p:cSld>
-    <p:spTree>
-      <p:nvGrpSpPr>
-        <p:cNvPr id="1" name="Shape 59"/>
-        <p:cNvGrpSpPr/>
-        <p:nvPr/>
-      </p:nvGrpSpPr>
-      <p:grpSpPr>
-        <a:xfrm>
-          <a:off x="0" y="0"/>
-          <a:ext cx="0" cy="0"/>
-          <a:chOff x="0" y="0"/>
-          <a:chExt cx="0" cy="0"/>
-        </a:xfrm>
-      </p:grpSpPr>
-      <p:sp>
-        <p:nvSpPr>
-          <p:cNvPr id="60" name="Google Shape;60;p14"/>
-          <p:cNvSpPr txBox="1">
-            <a:spLocks noGrp="1"/>
-          </p:cNvSpPr>
-          <p:nvPr>
-            <p:ph type="ctrTitle"/>
-          </p:nvPr>
-        </p:nvSpPr>
-        <p:spPr>
-          <a:xfrm>
-            <a:off x="315750" y="509500"/>
-            <a:ext cx="8512500" cy="3784800"/>
-          </a:xfrm>
-          <a:prstGeom prst="rect">
-            <a:avLst/>
-          </a:prstGeom>
-          <a:noFill/>
-          <a:ln>
-            <a:noFill/>
-          </a:ln>
-        </p:spPr>
-        <p:txBody>
-          <a:bodyPr spcFirstLastPara="1" wrap="square" lIns="91425" tIns="91425" rIns="91425" bIns="91425" anchor="b" anchorCtr="0">
-            <a:noAutofit/>
-          </a:bodyPr>
-          <a:lstStyle/>
-          <a:p>
-            <a:pPr marL="0" lvl="0" indent="0" algn="l" rtl="0">
-              <a:lnSpc>
-                <a:spcPct val="100000"/>
-              </a:lnSpc>
-              <a:spcBef>
-                <a:spcPts val="0"/>
-              </a:spcBef>
-              <a:spcAft>
-                <a:spcPts val="0"/>
-              </a:spcAft>
-              <a:buSzPts val="5200"/>
-              <a:buNone/>
-            </a:pPr>
-            <a:endParaRPr sz="3600" b="1">
-              <a:solidFill>
-                <a:schemeClr val="lt1"/>
-              </a:solidFill>
-              <a:latin typeface="Montserrat"/>
-              <a:ea typeface="Montserrat"/>
-              <a:cs typeface="Montserrat"/>
-              <a:sym typeface="Montserrat"/>
-            </a:endParaRPr>
-          </a:p>
-          <a:p>
-            <a:pPr marL="0" lvl="0" indent="0" algn="ctr" rtl="0">
-              <a:lnSpc>
-                <a:spcPct val="100000"/>
-              </a:lnSpc>
-              <a:spcBef>
-                <a:spcPts val="0"/>
-              </a:spcBef>
-              <a:spcAft>
-                <a:spcPts val="0"/>
-              </a:spcAft>
-              <a:buSzPts val="5200"/>
-              <a:buNone/>
-            </a:pPr>
-            <a:endParaRPr sz="3600" b="1">
-              <a:solidFill>
-                <a:schemeClr val="lt1"/>
-              </a:solidFill>
-              <a:latin typeface="Montserrat"/>
-              <a:ea typeface="Montserrat"/>
-              <a:cs typeface="Montserrat"/>
-              <a:sym typeface="Montserrat"/>
-            </a:endParaRPr>
-          </a:p>
-          <a:p>
-            <a:pPr marL="0" lvl="0" indent="0" algn="ctr" rtl="0">
-              <a:spcBef>
-                <a:spcPts val="0"/>
-              </a:spcBef>
-              <a:spcAft>
-                <a:spcPts val="0"/>
-              </a:spcAft>
-              <a:buSzPts val="5200"/>
-              <a:buNone/>
-            </a:pPr>
-            <a:endParaRPr sz="1600" b="1">
-              <a:solidFill>
-                <a:schemeClr val="lt1"/>
-              </a:solidFill>
-              <a:latin typeface="Montserrat"/>
-              <a:ea typeface="Montserrat"/>
-              <a:cs typeface="Montserrat"/>
-              <a:sym typeface="Montserrat"/>
-            </a:endParaRPr>
-          </a:p>
-          <a:p>
-            <a:pPr marL="0" lvl="0" indent="0" algn="ctr" rtl="0">
-              <a:spcBef>
-                <a:spcPts val="0"/>
-              </a:spcBef>
-              <a:spcAft>
-                <a:spcPts val="0"/>
-              </a:spcAft>
-              <a:buSzPts val="5200"/>
-              <a:buNone/>
-            </a:pPr>
-            <a:endParaRPr sz="1600" b="1">
-              <a:solidFill>
-                <a:schemeClr val="lt1"/>
-              </a:solidFill>
-              <a:latin typeface="Montserrat"/>
-              <a:ea typeface="Montserrat"/>
-              <a:cs typeface="Montserrat"/>
-              <a:sym typeface="Montserrat"/>
-            </a:endParaRPr>
-          </a:p>
-        </p:txBody>
-      </p:sp>
-    </p:spTree>
-    <p:extLst>
-      <p:ext uri="{BB962C8B-B14F-4D97-AF65-F5344CB8AC3E}">
-        <p14:creationId xmlns:p14="http://schemas.microsoft.com/office/powerpoint/2010/main" val="509172225"/>
-      </p:ext>
-    </p:extLst>
   </p:cSld>
   <p:clrMapOvr>
     <a:masterClrMapping/>
@@ -15899,14 +15349,10 @@
             <a:spLocks noGrp="1"/>
           </p:cNvSpPr>
           <p:nvPr>
-            <p:ph type="ctrTitle"/>
+            <p:ph type="title"/>
           </p:nvPr>
         </p:nvSpPr>
         <p:spPr>
-          <a:xfrm>
-            <a:off x="315750" y="509500"/>
-            <a:ext cx="8512500" cy="3784800"/>
-          </a:xfrm>
           <a:prstGeom prst="rect">
             <a:avLst/>
           </a:prstGeom>
@@ -15934,7 +15380,7 @@
               <a:buSzPts val="5200"/>
               <a:buNone/>
             </a:pPr>
-            <a:endParaRPr sz="3600" b="1">
+            <a:endParaRPr sz="2400" b="1" dirty="0">
               <a:solidFill>
                 <a:schemeClr val="lt1"/>
               </a:solidFill>
@@ -15958,7 +15404,7 @@
               <a:buSzPts val="5200"/>
               <a:buNone/>
             </a:pPr>
-            <a:endParaRPr sz="3600" b="1">
+            <a:endParaRPr sz="2400" b="1" dirty="0">
               <a:solidFill>
                 <a:schemeClr val="lt1"/>
               </a:solidFill>
@@ -15979,7 +15425,7 @@
               <a:buSzPts val="5200"/>
               <a:buNone/>
             </a:pPr>
-            <a:endParaRPr sz="1600" b="1">
+            <a:endParaRPr sz="2400" b="1" dirty="0">
               <a:solidFill>
                 <a:schemeClr val="lt1"/>
               </a:solidFill>
@@ -16000,9 +15446,21 @@
               <a:buSzPts val="5200"/>
               <a:buNone/>
             </a:pPr>
-            <a:endParaRPr sz="1600" b="1">
+            <a:r>
+              <a:rPr lang="en-US" sz="2400" b="1" dirty="0">
+                <a:solidFill>
+                  <a:schemeClr val="tx1"/>
+                </a:solidFill>
+                <a:latin typeface="Montserrat"/>
+                <a:ea typeface="Montserrat"/>
+                <a:cs typeface="Montserrat"/>
+                <a:sym typeface="Montserrat"/>
+              </a:rPr>
+              <a:t>Area Code Based Analysis</a:t>
+            </a:r>
+            <a:endParaRPr sz="2400" b="1" dirty="0">
               <a:solidFill>
-                <a:schemeClr val="lt1"/>
+                <a:schemeClr val="tx1"/>
               </a:solidFill>
               <a:latin typeface="Montserrat"/>
               <a:ea typeface="Montserrat"/>
@@ -16012,6 +15470,91 @@
           </a:p>
         </p:txBody>
       </p:sp>
+      <p:sp>
+        <p:nvSpPr>
+          <p:cNvPr id="2" name="Text Placeholder 1">
+            <a:extLst>
+              <a:ext uri="{FF2B5EF4-FFF2-40B4-BE49-F238E27FC236}">
+                <a16:creationId xmlns:a16="http://schemas.microsoft.com/office/drawing/2014/main" id="{F46FBC8D-B97E-02F6-4661-E3112A5929A9}"/>
+              </a:ext>
+            </a:extLst>
+          </p:cNvPr>
+          <p:cNvSpPr>
+            <a:spLocks noGrp="1"/>
+          </p:cNvSpPr>
+          <p:nvPr>
+            <p:ph type="body" idx="1"/>
+          </p:nvPr>
+        </p:nvSpPr>
+        <p:spPr/>
+        <p:txBody>
+          <a:bodyPr/>
+          <a:lstStyle/>
+          <a:p>
+            <a:pPr marL="114300" indent="0">
+              <a:buNone/>
+            </a:pPr>
+            <a:r>
+              <a:rPr lang="en-US" dirty="0">
+                <a:solidFill>
+                  <a:schemeClr val="accent3"/>
+                </a:solidFill>
+              </a:rPr>
+              <a:t>We figured out from Data that there are total 3 Area Codes(415,408,510) to which users belongs to. To make analysis easier we created a nested python dictionary of the following type:</a:t>
+            </a:r>
+          </a:p>
+          <a:p>
+            <a:pPr marL="114300" indent="0">
+              <a:buNone/>
+            </a:pPr>
+            <a:endParaRPr lang="en-US" dirty="0">
+              <a:solidFill>
+                <a:schemeClr val="accent3"/>
+              </a:solidFill>
+            </a:endParaRPr>
+          </a:p>
+          <a:p>
+            <a:pPr marL="114300" indent="0">
+              <a:buNone/>
+            </a:pPr>
+            <a:endParaRPr lang="en-IN" dirty="0">
+              <a:solidFill>
+                <a:schemeClr val="accent3"/>
+              </a:solidFill>
+            </a:endParaRPr>
+          </a:p>
+        </p:txBody>
+      </p:sp>
+      <p:pic>
+        <p:nvPicPr>
+          <p:cNvPr id="4" name="Picture 3">
+            <a:extLst>
+              <a:ext uri="{FF2B5EF4-FFF2-40B4-BE49-F238E27FC236}">
+                <a16:creationId xmlns:a16="http://schemas.microsoft.com/office/drawing/2014/main" id="{74A7098B-B9FC-670A-93C0-AEBE7E69D217}"/>
+              </a:ext>
+            </a:extLst>
+          </p:cNvPr>
+          <p:cNvPicPr>
+            <a:picLocks noChangeAspect="1"/>
+          </p:cNvPicPr>
+          <p:nvPr/>
+        </p:nvPicPr>
+        <p:blipFill>
+          <a:blip r:embed="rId3"/>
+          <a:stretch>
+            <a:fillRect/>
+          </a:stretch>
+        </p:blipFill>
+        <p:spPr>
+          <a:xfrm>
+            <a:off x="995680" y="2424333"/>
+            <a:ext cx="6915573" cy="2286198"/>
+          </a:xfrm>
+          <a:prstGeom prst="rect">
+            <a:avLst/>
+          </a:prstGeom>
+        </p:spPr>
+      </p:pic>
     </p:spTree>
     <p:extLst>
       <p:ext uri="{BB962C8B-B14F-4D97-AF65-F5344CB8AC3E}">

--- a/Project Presentation.pptx
+++ b/Project Presentation.pptx
@@ -5,37 +5,39 @@
     <p:sldMasterId id="2147483659" r:id="rId1"/>
   </p:sldMasterIdLst>
   <p:notesMasterIdLst>
-    <p:notesMasterId r:id="rId20"/>
+    <p:notesMasterId r:id="rId22"/>
   </p:notesMasterIdLst>
   <p:sldIdLst>
     <p:sldId id="256" r:id="rId2"/>
     <p:sldId id="257" r:id="rId3"/>
     <p:sldId id="258" r:id="rId4"/>
     <p:sldId id="259" r:id="rId5"/>
-    <p:sldId id="260" r:id="rId6"/>
-    <p:sldId id="276" r:id="rId7"/>
-    <p:sldId id="277" r:id="rId8"/>
-    <p:sldId id="261" r:id="rId9"/>
-    <p:sldId id="262" r:id="rId10"/>
-    <p:sldId id="263" r:id="rId11"/>
-    <p:sldId id="278" r:id="rId12"/>
-    <p:sldId id="279" r:id="rId13"/>
-    <p:sldId id="264" r:id="rId14"/>
-    <p:sldId id="265" r:id="rId15"/>
-    <p:sldId id="280" r:id="rId16"/>
-    <p:sldId id="281" r:id="rId17"/>
-    <p:sldId id="266" r:id="rId18"/>
-    <p:sldId id="267" r:id="rId19"/>
+    <p:sldId id="282" r:id="rId6"/>
+    <p:sldId id="260" r:id="rId7"/>
+    <p:sldId id="276" r:id="rId8"/>
+    <p:sldId id="277" r:id="rId9"/>
+    <p:sldId id="261" r:id="rId10"/>
+    <p:sldId id="262" r:id="rId11"/>
+    <p:sldId id="263" r:id="rId12"/>
+    <p:sldId id="278" r:id="rId13"/>
+    <p:sldId id="279" r:id="rId14"/>
+    <p:sldId id="264" r:id="rId15"/>
+    <p:sldId id="265" r:id="rId16"/>
+    <p:sldId id="280" r:id="rId17"/>
+    <p:sldId id="281" r:id="rId18"/>
+    <p:sldId id="266" r:id="rId19"/>
+    <p:sldId id="284" r:id="rId20"/>
+    <p:sldId id="267" r:id="rId21"/>
   </p:sldIdLst>
   <p:sldSz cx="9144000" cy="5143500" type="screen16x9"/>
   <p:notesSz cx="6858000" cy="9144000"/>
   <p:embeddedFontLst>
     <p:embeddedFont>
       <p:font typeface="Montserrat" panose="00000500000000000000" pitchFamily="2" charset="0"/>
-      <p:regular r:id="rId21"/>
-      <p:bold r:id="rId22"/>
-      <p:italic r:id="rId23"/>
-      <p:boldItalic r:id="rId24"/>
+      <p:regular r:id="rId23"/>
+      <p:bold r:id="rId24"/>
+      <p:italic r:id="rId25"/>
+      <p:boldItalic r:id="rId26"/>
     </p:embeddedFont>
   </p:embeddedFontLst>
   <p:defaultTextStyle>
@@ -1874,6 +1876,133 @@
 </file>
 
 <file path=ppt/notesSlides/notesSlide17.xml><?xml version="1.0" encoding="utf-8"?>
+<p:notes xmlns:a="http://schemas.openxmlformats.org/drawingml/2006/main" xmlns:r="http://schemas.openxmlformats.org/officeDocument/2006/relationships" xmlns:p="http://schemas.openxmlformats.org/presentationml/2006/main" showMasterSp="0" showMasterPhAnim="0">
+  <p:cSld>
+    <p:spTree>
+      <p:nvGrpSpPr>
+        <p:cNvPr id="1" name="Shape 56"/>
+        <p:cNvGrpSpPr/>
+        <p:nvPr/>
+      </p:nvGrpSpPr>
+      <p:grpSpPr>
+        <a:xfrm>
+          <a:off x="0" y="0"/>
+          <a:ext cx="0" cy="0"/>
+          <a:chOff x="0" y="0"/>
+          <a:chExt cx="0" cy="0"/>
+        </a:xfrm>
+      </p:grpSpPr>
+      <p:sp>
+        <p:nvSpPr>
+          <p:cNvPr id="57" name="Google Shape;57;gbd08f57e3d_0_0:notes"/>
+          <p:cNvSpPr>
+            <a:spLocks noGrp="1" noRot="1" noChangeAspect="1"/>
+          </p:cNvSpPr>
+          <p:nvPr>
+            <p:ph type="sldImg" idx="2"/>
+          </p:nvPr>
+        </p:nvSpPr>
+        <p:spPr>
+          <a:xfrm>
+            <a:off x="381000" y="685800"/>
+            <a:ext cx="6096000" cy="3429000"/>
+          </a:xfrm>
+          <a:custGeom>
+            <a:avLst/>
+            <a:gdLst/>
+            <a:ahLst/>
+            <a:cxnLst/>
+            <a:rect l="l" t="t" r="r" b="b"/>
+            <a:pathLst>
+              <a:path w="120000" h="120000" extrusionOk="0">
+                <a:moveTo>
+                  <a:pt x="0" y="0"/>
+                </a:moveTo>
+                <a:lnTo>
+                  <a:pt x="120000" y="0"/>
+                </a:lnTo>
+                <a:lnTo>
+                  <a:pt x="120000" y="120000"/>
+                </a:lnTo>
+                <a:lnTo>
+                  <a:pt x="0" y="120000"/>
+                </a:lnTo>
+                <a:close/>
+              </a:path>
+            </a:pathLst>
+          </a:custGeom>
+          <a:noFill/>
+          <a:ln w="9525" cap="flat" cmpd="sng">
+            <a:solidFill>
+              <a:srgbClr val="000000"/>
+            </a:solidFill>
+            <a:prstDash val="solid"/>
+            <a:round/>
+            <a:headEnd type="none" w="sm" len="sm"/>
+            <a:tailEnd type="none" w="sm" len="sm"/>
+          </a:ln>
+        </p:spPr>
+      </p:sp>
+      <p:sp>
+        <p:nvSpPr>
+          <p:cNvPr id="58" name="Google Shape;58;gbd08f57e3d_0_0:notes"/>
+          <p:cNvSpPr txBox="1">
+            <a:spLocks noGrp="1"/>
+          </p:cNvSpPr>
+          <p:nvPr>
+            <p:ph type="body" idx="1"/>
+          </p:nvPr>
+        </p:nvSpPr>
+        <p:spPr>
+          <a:xfrm>
+            <a:off x="685800" y="4343400"/>
+            <a:ext cx="5486400" cy="4114800"/>
+          </a:xfrm>
+          <a:prstGeom prst="rect">
+            <a:avLst/>
+          </a:prstGeom>
+          <a:noFill/>
+          <a:ln>
+            <a:noFill/>
+          </a:ln>
+        </p:spPr>
+        <p:txBody>
+          <a:bodyPr spcFirstLastPara="1" wrap="square" lIns="91425" tIns="91425" rIns="91425" bIns="91425" anchor="t" anchorCtr="0">
+            <a:noAutofit/>
+          </a:bodyPr>
+          <a:lstStyle/>
+          <a:p>
+            <a:pPr marL="0" lvl="0" indent="0" algn="l" rtl="0">
+              <a:lnSpc>
+                <a:spcPct val="100000"/>
+              </a:lnSpc>
+              <a:spcBef>
+                <a:spcPts val="0"/>
+              </a:spcBef>
+              <a:spcAft>
+                <a:spcPts val="0"/>
+              </a:spcAft>
+              <a:buSzPts val="1100"/>
+              <a:buNone/>
+            </a:pPr>
+            <a:endParaRPr/>
+          </a:p>
+        </p:txBody>
+      </p:sp>
+    </p:spTree>
+    <p:extLst>
+      <p:ext uri="{BB962C8B-B14F-4D97-AF65-F5344CB8AC3E}">
+        <p14:creationId xmlns:p14="http://schemas.microsoft.com/office/powerpoint/2010/main" val="3359125712"/>
+      </p:ext>
+    </p:extLst>
+  </p:cSld>
+  <p:clrMapOvr>
+    <a:masterClrMapping/>
+  </p:clrMapOvr>
+</p:notes>
+</file>
+
+<file path=ppt/notesSlides/notesSlide18.xml><?xml version="1.0" encoding="utf-8"?>
 <p:notes xmlns:a="http://schemas.openxmlformats.org/drawingml/2006/main" xmlns:r="http://schemas.openxmlformats.org/officeDocument/2006/relationships" xmlns:p="http://schemas.openxmlformats.org/presentationml/2006/main" showMasterSp="0" showMasterPhAnim="0">
   <p:cSld>
     <p:spTree>
@@ -11105,6 +11234,249 @@
           </p:nvPr>
         </p:nvSpPr>
         <p:spPr>
+          <a:prstGeom prst="rect">
+            <a:avLst/>
+          </a:prstGeom>
+          <a:noFill/>
+          <a:ln>
+            <a:noFill/>
+          </a:ln>
+        </p:spPr>
+        <p:txBody>
+          <a:bodyPr spcFirstLastPara="1" wrap="square" lIns="91425" tIns="91425" rIns="91425" bIns="91425" anchor="b" anchorCtr="0">
+            <a:noAutofit/>
+          </a:bodyPr>
+          <a:lstStyle/>
+          <a:p>
+            <a:pPr marL="0" lvl="0" indent="0" algn="l" rtl="0">
+              <a:lnSpc>
+                <a:spcPct val="100000"/>
+              </a:lnSpc>
+              <a:spcBef>
+                <a:spcPts val="0"/>
+              </a:spcBef>
+              <a:spcAft>
+                <a:spcPts val="0"/>
+              </a:spcAft>
+              <a:buSzPts val="5200"/>
+              <a:buNone/>
+            </a:pPr>
+            <a:endParaRPr sz="2400" b="1" dirty="0">
+              <a:solidFill>
+                <a:schemeClr val="lt1"/>
+              </a:solidFill>
+              <a:latin typeface="Montserrat"/>
+              <a:ea typeface="Montserrat"/>
+              <a:cs typeface="Montserrat"/>
+              <a:sym typeface="Montserrat"/>
+            </a:endParaRPr>
+          </a:p>
+          <a:p>
+            <a:pPr marL="0" lvl="0" indent="0" algn="ctr" rtl="0">
+              <a:lnSpc>
+                <a:spcPct val="100000"/>
+              </a:lnSpc>
+              <a:spcBef>
+                <a:spcPts val="0"/>
+              </a:spcBef>
+              <a:spcAft>
+                <a:spcPts val="0"/>
+              </a:spcAft>
+              <a:buSzPts val="5200"/>
+              <a:buNone/>
+            </a:pPr>
+            <a:endParaRPr sz="2400" b="1" dirty="0">
+              <a:solidFill>
+                <a:schemeClr val="lt1"/>
+              </a:solidFill>
+              <a:latin typeface="Montserrat"/>
+              <a:ea typeface="Montserrat"/>
+              <a:cs typeface="Montserrat"/>
+              <a:sym typeface="Montserrat"/>
+            </a:endParaRPr>
+          </a:p>
+          <a:p>
+            <a:pPr marL="0" lvl="0" indent="0" algn="ctr" rtl="0">
+              <a:spcBef>
+                <a:spcPts val="0"/>
+              </a:spcBef>
+              <a:spcAft>
+                <a:spcPts val="0"/>
+              </a:spcAft>
+              <a:buSzPts val="5200"/>
+              <a:buNone/>
+            </a:pPr>
+            <a:endParaRPr sz="2400" b="1" dirty="0">
+              <a:solidFill>
+                <a:schemeClr val="lt1"/>
+              </a:solidFill>
+              <a:latin typeface="Montserrat"/>
+              <a:ea typeface="Montserrat"/>
+              <a:cs typeface="Montserrat"/>
+              <a:sym typeface="Montserrat"/>
+            </a:endParaRPr>
+          </a:p>
+          <a:p>
+            <a:pPr marL="0" lvl="0" indent="0" algn="ctr" rtl="0">
+              <a:spcBef>
+                <a:spcPts val="0"/>
+              </a:spcBef>
+              <a:spcAft>
+                <a:spcPts val="0"/>
+              </a:spcAft>
+              <a:buSzPts val="5200"/>
+              <a:buNone/>
+            </a:pPr>
+            <a:r>
+              <a:rPr lang="en-US" sz="2400" b="1" dirty="0">
+                <a:solidFill>
+                  <a:schemeClr val="tx1"/>
+                </a:solidFill>
+                <a:latin typeface="Montserrat"/>
+                <a:ea typeface="Montserrat"/>
+                <a:cs typeface="Montserrat"/>
+                <a:sym typeface="Montserrat"/>
+              </a:rPr>
+              <a:t>Area Code Based Analysis</a:t>
+            </a:r>
+            <a:endParaRPr sz="2400" b="1" dirty="0">
+              <a:solidFill>
+                <a:schemeClr val="tx1"/>
+              </a:solidFill>
+              <a:latin typeface="Montserrat"/>
+              <a:ea typeface="Montserrat"/>
+              <a:cs typeface="Montserrat"/>
+              <a:sym typeface="Montserrat"/>
+            </a:endParaRPr>
+          </a:p>
+        </p:txBody>
+      </p:sp>
+      <p:sp>
+        <p:nvSpPr>
+          <p:cNvPr id="2" name="Text Placeholder 1">
+            <a:extLst>
+              <a:ext uri="{FF2B5EF4-FFF2-40B4-BE49-F238E27FC236}">
+                <a16:creationId xmlns:a16="http://schemas.microsoft.com/office/drawing/2014/main" id="{F46FBC8D-B97E-02F6-4661-E3112A5929A9}"/>
+              </a:ext>
+            </a:extLst>
+          </p:cNvPr>
+          <p:cNvSpPr>
+            <a:spLocks noGrp="1"/>
+          </p:cNvSpPr>
+          <p:nvPr>
+            <p:ph type="body" idx="1"/>
+          </p:nvPr>
+        </p:nvSpPr>
+        <p:spPr/>
+        <p:txBody>
+          <a:bodyPr/>
+          <a:lstStyle/>
+          <a:p>
+            <a:pPr marL="114300" indent="0">
+              <a:buNone/>
+            </a:pPr>
+            <a:r>
+              <a:rPr lang="en-US" dirty="0">
+                <a:solidFill>
+                  <a:schemeClr val="accent3"/>
+                </a:solidFill>
+              </a:rPr>
+              <a:t>We figured out from Data that there are total 3 Area Codes(415,408,510) to which users belongs to. To make analysis easier we created a nested python dictionary of the following type:</a:t>
+            </a:r>
+          </a:p>
+          <a:p>
+            <a:pPr marL="114300" indent="0">
+              <a:buNone/>
+            </a:pPr>
+            <a:endParaRPr lang="en-US" dirty="0">
+              <a:solidFill>
+                <a:schemeClr val="accent3"/>
+              </a:solidFill>
+            </a:endParaRPr>
+          </a:p>
+          <a:p>
+            <a:pPr marL="114300" indent="0">
+              <a:buNone/>
+            </a:pPr>
+            <a:endParaRPr lang="en-IN" dirty="0">
+              <a:solidFill>
+                <a:schemeClr val="accent3"/>
+              </a:solidFill>
+            </a:endParaRPr>
+          </a:p>
+        </p:txBody>
+      </p:sp>
+      <p:pic>
+        <p:nvPicPr>
+          <p:cNvPr id="4" name="Picture 3">
+            <a:extLst>
+              <a:ext uri="{FF2B5EF4-FFF2-40B4-BE49-F238E27FC236}">
+                <a16:creationId xmlns:a16="http://schemas.microsoft.com/office/drawing/2014/main" id="{74A7098B-B9FC-670A-93C0-AEBE7E69D217}"/>
+              </a:ext>
+            </a:extLst>
+          </p:cNvPr>
+          <p:cNvPicPr>
+            <a:picLocks noChangeAspect="1"/>
+          </p:cNvPicPr>
+          <p:nvPr/>
+        </p:nvPicPr>
+        <p:blipFill>
+          <a:blip r:embed="rId3"/>
+          <a:stretch>
+            <a:fillRect/>
+          </a:stretch>
+        </p:blipFill>
+        <p:spPr>
+          <a:xfrm>
+            <a:off x="995680" y="2424333"/>
+            <a:ext cx="6915573" cy="2286198"/>
+          </a:xfrm>
+          <a:prstGeom prst="rect">
+            <a:avLst/>
+          </a:prstGeom>
+        </p:spPr>
+      </p:pic>
+    </p:spTree>
+    <p:extLst>
+      <p:ext uri="{BB962C8B-B14F-4D97-AF65-F5344CB8AC3E}">
+        <p14:creationId xmlns:p14="http://schemas.microsoft.com/office/powerpoint/2010/main" val="110860667"/>
+      </p:ext>
+    </p:extLst>
+  </p:cSld>
+  <p:clrMapOvr>
+    <a:masterClrMapping/>
+  </p:clrMapOvr>
+</p:sld>
+</file>
+
+<file path=ppt/slides/slide11.xml><?xml version="1.0" encoding="utf-8"?>
+<p:sld xmlns:a="http://schemas.openxmlformats.org/drawingml/2006/main" xmlns:r="http://schemas.openxmlformats.org/officeDocument/2006/relationships" xmlns:p="http://schemas.openxmlformats.org/presentationml/2006/main">
+  <p:cSld>
+    <p:spTree>
+      <p:nvGrpSpPr>
+        <p:cNvPr id="1" name="Shape 59"/>
+        <p:cNvGrpSpPr/>
+        <p:nvPr/>
+      </p:nvGrpSpPr>
+      <p:grpSpPr>
+        <a:xfrm>
+          <a:off x="0" y="0"/>
+          <a:ext cx="0" cy="0"/>
+          <a:chOff x="0" y="0"/>
+          <a:chExt cx="0" cy="0"/>
+        </a:xfrm>
+      </p:grpSpPr>
+      <p:sp>
+        <p:nvSpPr>
+          <p:cNvPr id="60" name="Google Shape;60;p14"/>
+          <p:cNvSpPr txBox="1">
+            <a:spLocks noGrp="1"/>
+          </p:cNvSpPr>
+          <p:nvPr>
+            <p:ph type="title"/>
+          </p:nvPr>
+        </p:nvSpPr>
+        <p:spPr>
           <a:xfrm>
             <a:off x="311700" y="101600"/>
             <a:ext cx="8520600" cy="650240"/>
@@ -11325,7 +11697,7 @@
 </p:sld>
 </file>
 
-<file path=ppt/slides/slide11.xml><?xml version="1.0" encoding="utf-8"?>
+<file path=ppt/slides/slide12.xml><?xml version="1.0" encoding="utf-8"?>
 <p:sld xmlns:a="http://schemas.openxmlformats.org/drawingml/2006/main" xmlns:r="http://schemas.openxmlformats.org/officeDocument/2006/relationships" xmlns:p="http://schemas.openxmlformats.org/presentationml/2006/main">
   <p:cSld>
     <p:spTree>
@@ -11573,7 +11945,7 @@
 </p:sld>
 </file>
 
-<file path=ppt/slides/slide12.xml><?xml version="1.0" encoding="utf-8"?>
+<file path=ppt/slides/slide13.xml><?xml version="1.0" encoding="utf-8"?>
 <p:sld xmlns:a="http://schemas.openxmlformats.org/drawingml/2006/main" xmlns:r="http://schemas.openxmlformats.org/officeDocument/2006/relationships" xmlns:p="http://schemas.openxmlformats.org/presentationml/2006/main">
   <p:cSld>
     <p:spTree>
@@ -11821,7 +12193,7 @@
 </p:sld>
 </file>
 
-<file path=ppt/slides/slide13.xml><?xml version="1.0" encoding="utf-8"?>
+<file path=ppt/slides/slide14.xml><?xml version="1.0" encoding="utf-8"?>
 <p:sld xmlns:a="http://schemas.openxmlformats.org/drawingml/2006/main" xmlns:r="http://schemas.openxmlformats.org/officeDocument/2006/relationships" xmlns:p="http://schemas.openxmlformats.org/presentationml/2006/main">
   <p:cSld>
     <p:spTree>
@@ -12189,7 +12561,7 @@
 </p:sld>
 </file>
 
-<file path=ppt/slides/slide14.xml><?xml version="1.0" encoding="utf-8"?>
+<file path=ppt/slides/slide15.xml><?xml version="1.0" encoding="utf-8"?>
 <p:sld xmlns:a="http://schemas.openxmlformats.org/drawingml/2006/main" xmlns:r="http://schemas.openxmlformats.org/officeDocument/2006/relationships" xmlns:p="http://schemas.openxmlformats.org/presentationml/2006/main">
   <p:cSld>
     <p:spTree>
@@ -12407,7 +12779,7 @@
 </p:sld>
 </file>
 
-<file path=ppt/slides/slide15.xml><?xml version="1.0" encoding="utf-8"?>
+<file path=ppt/slides/slide16.xml><?xml version="1.0" encoding="utf-8"?>
 <p:sld xmlns:a="http://schemas.openxmlformats.org/drawingml/2006/main" xmlns:r="http://schemas.openxmlformats.org/officeDocument/2006/relationships" xmlns:p="http://schemas.openxmlformats.org/presentationml/2006/main">
   <p:cSld>
     <p:spTree>
@@ -12625,7 +12997,7 @@
 </p:sld>
 </file>
 
-<file path=ppt/slides/slide16.xml><?xml version="1.0" encoding="utf-8"?>
+<file path=ppt/slides/slide17.xml><?xml version="1.0" encoding="utf-8"?>
 <p:sld xmlns:a="http://schemas.openxmlformats.org/drawingml/2006/main" xmlns:r="http://schemas.openxmlformats.org/officeDocument/2006/relationships" xmlns:p="http://schemas.openxmlformats.org/presentationml/2006/main">
   <p:cSld>
     <p:spTree>
@@ -12671,6 +13043,140 @@
           </a:p>
         </p:txBody>
       </p:sp>
+      <p:pic>
+        <p:nvPicPr>
+          <p:cNvPr id="4" name="Picture 3">
+            <a:extLst>
+              <a:ext uri="{FF2B5EF4-FFF2-40B4-BE49-F238E27FC236}">
+                <a16:creationId xmlns:a16="http://schemas.microsoft.com/office/drawing/2014/main" id="{55CFA62E-B329-D7DC-585F-4EA239B5A1B2}"/>
+              </a:ext>
+            </a:extLst>
+          </p:cNvPr>
+          <p:cNvPicPr>
+            <a:picLocks noChangeAspect="1"/>
+          </p:cNvPicPr>
+          <p:nvPr/>
+        </p:nvPicPr>
+        <p:blipFill>
+          <a:blip r:embed="rId2"/>
+          <a:stretch>
+            <a:fillRect/>
+          </a:stretch>
+        </p:blipFill>
+        <p:spPr>
+          <a:xfrm>
+            <a:off x="57462" y="1111034"/>
+            <a:ext cx="4128476" cy="2771432"/>
+          </a:xfrm>
+          <a:prstGeom prst="rect">
+            <a:avLst/>
+          </a:prstGeom>
+        </p:spPr>
+      </p:pic>
+      <p:pic>
+        <p:nvPicPr>
+          <p:cNvPr id="6" name="Picture 5">
+            <a:extLst>
+              <a:ext uri="{FF2B5EF4-FFF2-40B4-BE49-F238E27FC236}">
+                <a16:creationId xmlns:a16="http://schemas.microsoft.com/office/drawing/2014/main" id="{2895934F-1806-F94A-92AB-B34F59F8DB64}"/>
+              </a:ext>
+            </a:extLst>
+          </p:cNvPr>
+          <p:cNvPicPr>
+            <a:picLocks noChangeAspect="1"/>
+          </p:cNvPicPr>
+          <p:nvPr/>
+        </p:nvPicPr>
+        <p:blipFill>
+          <a:blip r:embed="rId3"/>
+          <a:stretch>
+            <a:fillRect/>
+          </a:stretch>
+        </p:blipFill>
+        <p:spPr>
+          <a:xfrm>
+            <a:off x="4632962" y="1017725"/>
+            <a:ext cx="4477173" cy="2864741"/>
+          </a:xfrm>
+          <a:prstGeom prst="rect">
+            <a:avLst/>
+          </a:prstGeom>
+        </p:spPr>
+      </p:pic>
+      <p:sp>
+        <p:nvSpPr>
+          <p:cNvPr id="7" name="TextBox 6">
+            <a:extLst>
+              <a:ext uri="{FF2B5EF4-FFF2-40B4-BE49-F238E27FC236}">
+                <a16:creationId xmlns:a16="http://schemas.microsoft.com/office/drawing/2014/main" id="{FAB9219C-A1EB-9CEC-3362-72E2ED8C839E}"/>
+              </a:ext>
+            </a:extLst>
+          </p:cNvPr>
+          <p:cNvSpPr txBox="1"/>
+          <p:nvPr/>
+        </p:nvSpPr>
+        <p:spPr>
+          <a:xfrm flipH="1">
+            <a:off x="526879" y="4246680"/>
+            <a:ext cx="3157814" cy="307777"/>
+          </a:xfrm>
+          <a:prstGeom prst="rect">
+            <a:avLst/>
+          </a:prstGeom>
+          <a:noFill/>
+        </p:spPr>
+        <p:txBody>
+          <a:bodyPr wrap="square" rtlCol="0">
+            <a:spAutoFit/>
+          </a:bodyPr>
+          <a:lstStyle/>
+          <a:p>
+            <a:pPr algn="ctr"/>
+            <a:r>
+              <a:rPr lang="en-US" dirty="0"/>
+              <a:t>Churned Users</a:t>
+            </a:r>
+            <a:endParaRPr lang="en-IN" dirty="0"/>
+          </a:p>
+        </p:txBody>
+      </p:sp>
+      <p:sp>
+        <p:nvSpPr>
+          <p:cNvPr id="8" name="TextBox 7">
+            <a:extLst>
+              <a:ext uri="{FF2B5EF4-FFF2-40B4-BE49-F238E27FC236}">
+                <a16:creationId xmlns:a16="http://schemas.microsoft.com/office/drawing/2014/main" id="{AD09F8B9-6F13-167F-B7DA-27178EDE4340}"/>
+              </a:ext>
+            </a:extLst>
+          </p:cNvPr>
+          <p:cNvSpPr txBox="1"/>
+          <p:nvPr/>
+        </p:nvSpPr>
+        <p:spPr>
+          <a:xfrm flipH="1">
+            <a:off x="5440913" y="4256845"/>
+            <a:ext cx="3157814" cy="307777"/>
+          </a:xfrm>
+          <a:prstGeom prst="rect">
+            <a:avLst/>
+          </a:prstGeom>
+          <a:noFill/>
+        </p:spPr>
+        <p:txBody>
+          <a:bodyPr wrap="square" rtlCol="0">
+            <a:spAutoFit/>
+          </a:bodyPr>
+          <a:lstStyle/>
+          <a:p>
+            <a:pPr algn="ctr"/>
+            <a:r>
+              <a:rPr lang="en-US" dirty="0"/>
+              <a:t>Non Churned Users</a:t>
+            </a:r>
+            <a:endParaRPr lang="en-IN" dirty="0"/>
+          </a:p>
+        </p:txBody>
+      </p:sp>
     </p:spTree>
     <p:extLst>
       <p:ext uri="{BB962C8B-B14F-4D97-AF65-F5344CB8AC3E}">
@@ -12684,7 +13190,7 @@
 </p:sld>
 </file>
 
-<file path=ppt/slides/slide17.xml><?xml version="1.0" encoding="utf-8"?>
+<file path=ppt/slides/slide18.xml><?xml version="1.0" encoding="utf-8"?>
 <p:sld xmlns:a="http://schemas.openxmlformats.org/drawingml/2006/main" xmlns:r="http://schemas.openxmlformats.org/officeDocument/2006/relationships" xmlns:p="http://schemas.openxmlformats.org/presentationml/2006/main">
   <p:cSld>
     <p:spTree>
@@ -12954,7 +13460,7 @@
 </p:sld>
 </file>
 
-<file path=ppt/slides/slide18.xml><?xml version="1.0" encoding="utf-8"?>
+<file path=ppt/slides/slide19.xml><?xml version="1.0" encoding="utf-8"?>
 <p:sld xmlns:a="http://schemas.openxmlformats.org/drawingml/2006/main" xmlns:r="http://schemas.openxmlformats.org/officeDocument/2006/relationships" xmlns:p="http://schemas.openxmlformats.org/presentationml/2006/main">
   <p:cSld>
     <p:spTree>
@@ -12978,13 +13484,13 @@
             <a:spLocks noGrp="1"/>
           </p:cNvSpPr>
           <p:nvPr>
-            <p:ph type="ctrTitle"/>
+            <p:ph type="title"/>
           </p:nvPr>
         </p:nvSpPr>
         <p:spPr>
           <a:xfrm>
-            <a:off x="315750" y="2120054"/>
-            <a:ext cx="8512500" cy="839894"/>
+            <a:off x="311700" y="94827"/>
+            <a:ext cx="8520600" cy="1104053"/>
           </a:xfrm>
           <a:prstGeom prst="rect">
             <a:avLst/>
@@ -13000,7 +13506,7 @@
           </a:bodyPr>
           <a:lstStyle/>
           <a:p>
-            <a:pPr marL="0" lvl="0" indent="0" algn="l" rtl="0">
+            <a:pPr marL="0" lvl="0" indent="0" rtl="0">
               <a:lnSpc>
                 <a:spcPct val="100000"/>
               </a:lnSpc>
@@ -13013,7 +13519,19 @@
               <a:buSzPts val="5200"/>
               <a:buNone/>
             </a:pPr>
-            <a:endParaRPr sz="3200" b="1" dirty="0">
+            <a:r>
+              <a:rPr lang="en-IN" b="1" dirty="0">
+                <a:solidFill>
+                  <a:schemeClr val="tx1"/>
+                </a:solidFill>
+                <a:latin typeface="Montserrat"/>
+                <a:ea typeface="Montserrat"/>
+                <a:cs typeface="Montserrat"/>
+                <a:sym typeface="Montserrat"/>
+              </a:rPr>
+              <a:t>References</a:t>
+            </a:r>
+            <a:endParaRPr b="1" dirty="0">
               <a:solidFill>
                 <a:schemeClr val="tx1"/>
               </a:solidFill>
@@ -13023,90 +13541,90 @@
               <a:sym typeface="Montserrat"/>
             </a:endParaRPr>
           </a:p>
-          <a:p>
-            <a:pPr marL="0" lvl="0" indent="0" algn="ctr" rtl="0">
-              <a:lnSpc>
-                <a:spcPct val="100000"/>
-              </a:lnSpc>
-              <a:spcBef>
-                <a:spcPts val="0"/>
-              </a:spcBef>
-              <a:spcAft>
-                <a:spcPts val="0"/>
-              </a:spcAft>
-              <a:buSzPts val="5200"/>
-              <a:buNone/>
-            </a:pPr>
-            <a:endParaRPr sz="3200" b="1" dirty="0">
-              <a:solidFill>
-                <a:schemeClr val="tx1"/>
-              </a:solidFill>
-              <a:latin typeface="Montserrat"/>
-              <a:ea typeface="Montserrat"/>
-              <a:cs typeface="Montserrat"/>
-              <a:sym typeface="Montserrat"/>
-            </a:endParaRPr>
-          </a:p>
-          <a:p>
-            <a:pPr marL="0" lvl="0" indent="0" algn="ctr" rtl="0">
-              <a:spcBef>
-                <a:spcPts val="0"/>
-              </a:spcBef>
-              <a:spcAft>
-                <a:spcPts val="0"/>
-              </a:spcAft>
-              <a:buSzPts val="5200"/>
-              <a:buNone/>
+        </p:txBody>
+      </p:sp>
+      <p:sp>
+        <p:nvSpPr>
+          <p:cNvPr id="2" name="Text Placeholder 1">
+            <a:extLst>
+              <a:ext uri="{FF2B5EF4-FFF2-40B4-BE49-F238E27FC236}">
+                <a16:creationId xmlns:a16="http://schemas.microsoft.com/office/drawing/2014/main" id="{5D2058AE-F000-E5BB-10EA-7E7094784C9D}"/>
+              </a:ext>
+            </a:extLst>
+          </p:cNvPr>
+          <p:cNvSpPr>
+            <a:spLocks noGrp="1"/>
+          </p:cNvSpPr>
+          <p:nvPr>
+            <p:ph type="body" idx="1"/>
+          </p:nvPr>
+        </p:nvSpPr>
+        <p:spPr>
+          <a:xfrm>
+            <a:off x="311700" y="1652693"/>
+            <a:ext cx="8520600" cy="1584960"/>
+          </a:xfrm>
+        </p:spPr>
+        <p:txBody>
+          <a:bodyPr/>
+          <a:lstStyle/>
+          <a:p>
+            <a:pPr>
+              <a:buClr>
+                <a:schemeClr val="accent3"/>
+              </a:buClr>
+              <a:buFont typeface="Arial" panose="020B0604020202020204" pitchFamily="34" charset="0"/>
+              <a:buChar char="•"/>
             </a:pPr>
             <a:r>
-              <a:rPr lang="en-US" sz="3200" b="1" dirty="0">
-                <a:solidFill>
-                  <a:schemeClr val="tx1"/>
-                </a:solidFill>
-                <a:latin typeface="Montserrat"/>
-                <a:ea typeface="Montserrat"/>
-                <a:cs typeface="Montserrat"/>
-                <a:sym typeface="Montserrat"/>
+              <a:rPr lang="en-IN" sz="2200" dirty="0">
+                <a:solidFill>
+                  <a:schemeClr val="accent3"/>
+                </a:solidFill>
               </a:rPr>
-              <a:t>THANK YOU</a:t>
+              <a:t>Numpy, Pandas, Matplotlib and Seaborn documentation.</a:t>
             </a:r>
-            <a:endParaRPr sz="3200" b="1" dirty="0">
-              <a:solidFill>
-                <a:schemeClr val="tx1"/>
-              </a:solidFill>
-              <a:latin typeface="Montserrat"/>
-              <a:ea typeface="Montserrat"/>
-              <a:cs typeface="Montserrat"/>
-              <a:sym typeface="Montserrat"/>
-            </a:endParaRPr>
-          </a:p>
-          <a:p>
-            <a:pPr marL="0" lvl="0" indent="0" algn="ctr" rtl="0">
-              <a:spcBef>
-                <a:spcPts val="0"/>
-              </a:spcBef>
-              <a:spcAft>
-                <a:spcPts val="0"/>
-              </a:spcAft>
-              <a:buSzPts val="5200"/>
-              <a:buNone/>
+          </a:p>
+          <a:p>
+            <a:pPr>
+              <a:buClr>
+                <a:schemeClr val="accent3"/>
+              </a:buClr>
+              <a:buFont typeface="Arial" panose="020B0604020202020204" pitchFamily="34" charset="0"/>
+              <a:buChar char="•"/>
             </a:pPr>
-            <a:endParaRPr sz="3200" b="1" dirty="0">
-              <a:solidFill>
-                <a:schemeClr val="tx1"/>
-              </a:solidFill>
-              <a:latin typeface="Montserrat"/>
-              <a:ea typeface="Montserrat"/>
-              <a:cs typeface="Montserrat"/>
-              <a:sym typeface="Montserrat"/>
-            </a:endParaRPr>
+            <a:r>
+              <a:rPr lang="en-IN" sz="2200" dirty="0">
+                <a:solidFill>
+                  <a:schemeClr val="accent3"/>
+                </a:solidFill>
+              </a:rPr>
+              <a:t>Alma Better Recorded Classes.</a:t>
+            </a:r>
+          </a:p>
+          <a:p>
+            <a:pPr>
+              <a:buClr>
+                <a:schemeClr val="accent3"/>
+              </a:buClr>
+              <a:buFont typeface="Arial" panose="020B0604020202020204" pitchFamily="34" charset="0"/>
+              <a:buChar char="•"/>
+            </a:pPr>
+            <a:r>
+              <a:rPr lang="en-IN" sz="2200" dirty="0">
+                <a:solidFill>
+                  <a:schemeClr val="accent3"/>
+                </a:solidFill>
+              </a:rPr>
+              <a:t>Articles on Towards Data Science</a:t>
+            </a:r>
           </a:p>
         </p:txBody>
       </p:sp>
     </p:spTree>
     <p:extLst>
       <p:ext uri="{BB962C8B-B14F-4D97-AF65-F5344CB8AC3E}">
-        <p14:creationId xmlns:p14="http://schemas.microsoft.com/office/powerpoint/2010/main" val="2746993976"/>
+        <p14:creationId xmlns:p14="http://schemas.microsoft.com/office/powerpoint/2010/main" val="2741789666"/>
       </p:ext>
     </p:extLst>
   </p:cSld>
@@ -13294,6 +13812,168 @@
         </p:txBody>
       </p:sp>
     </p:spTree>
+  </p:cSld>
+  <p:clrMapOvr>
+    <a:masterClrMapping/>
+  </p:clrMapOvr>
+</p:sld>
+</file>
+
+<file path=ppt/slides/slide20.xml><?xml version="1.0" encoding="utf-8"?>
+<p:sld xmlns:a="http://schemas.openxmlformats.org/drawingml/2006/main" xmlns:r="http://schemas.openxmlformats.org/officeDocument/2006/relationships" xmlns:p="http://schemas.openxmlformats.org/presentationml/2006/main">
+  <p:cSld>
+    <p:spTree>
+      <p:nvGrpSpPr>
+        <p:cNvPr id="1" name="Shape 59"/>
+        <p:cNvGrpSpPr/>
+        <p:nvPr/>
+      </p:nvGrpSpPr>
+      <p:grpSpPr>
+        <a:xfrm>
+          <a:off x="0" y="0"/>
+          <a:ext cx="0" cy="0"/>
+          <a:chOff x="0" y="0"/>
+          <a:chExt cx="0" cy="0"/>
+        </a:xfrm>
+      </p:grpSpPr>
+      <p:sp>
+        <p:nvSpPr>
+          <p:cNvPr id="60" name="Google Shape;60;p14"/>
+          <p:cNvSpPr txBox="1">
+            <a:spLocks noGrp="1"/>
+          </p:cNvSpPr>
+          <p:nvPr>
+            <p:ph type="ctrTitle"/>
+          </p:nvPr>
+        </p:nvSpPr>
+        <p:spPr>
+          <a:xfrm>
+            <a:off x="315750" y="2120054"/>
+            <a:ext cx="8512500" cy="839894"/>
+          </a:xfrm>
+          <a:prstGeom prst="rect">
+            <a:avLst/>
+          </a:prstGeom>
+          <a:noFill/>
+          <a:ln>
+            <a:noFill/>
+          </a:ln>
+        </p:spPr>
+        <p:txBody>
+          <a:bodyPr spcFirstLastPara="1" wrap="square" lIns="91425" tIns="91425" rIns="91425" bIns="91425" anchor="b" anchorCtr="0">
+            <a:noAutofit/>
+          </a:bodyPr>
+          <a:lstStyle/>
+          <a:p>
+            <a:pPr marL="0" lvl="0" indent="0" algn="l" rtl="0">
+              <a:lnSpc>
+                <a:spcPct val="100000"/>
+              </a:lnSpc>
+              <a:spcBef>
+                <a:spcPts val="0"/>
+              </a:spcBef>
+              <a:spcAft>
+                <a:spcPts val="0"/>
+              </a:spcAft>
+              <a:buSzPts val="5200"/>
+              <a:buNone/>
+            </a:pPr>
+            <a:endParaRPr sz="3200" b="1" dirty="0">
+              <a:solidFill>
+                <a:schemeClr val="tx1"/>
+              </a:solidFill>
+              <a:latin typeface="Montserrat"/>
+              <a:ea typeface="Montserrat"/>
+              <a:cs typeface="Montserrat"/>
+              <a:sym typeface="Montserrat"/>
+            </a:endParaRPr>
+          </a:p>
+          <a:p>
+            <a:pPr marL="0" lvl="0" indent="0" algn="ctr" rtl="0">
+              <a:lnSpc>
+                <a:spcPct val="100000"/>
+              </a:lnSpc>
+              <a:spcBef>
+                <a:spcPts val="0"/>
+              </a:spcBef>
+              <a:spcAft>
+                <a:spcPts val="0"/>
+              </a:spcAft>
+              <a:buSzPts val="5200"/>
+              <a:buNone/>
+            </a:pPr>
+            <a:endParaRPr sz="3200" b="1" dirty="0">
+              <a:solidFill>
+                <a:schemeClr val="tx1"/>
+              </a:solidFill>
+              <a:latin typeface="Montserrat"/>
+              <a:ea typeface="Montserrat"/>
+              <a:cs typeface="Montserrat"/>
+              <a:sym typeface="Montserrat"/>
+            </a:endParaRPr>
+          </a:p>
+          <a:p>
+            <a:pPr marL="0" lvl="0" indent="0" algn="ctr" rtl="0">
+              <a:spcBef>
+                <a:spcPts val="0"/>
+              </a:spcBef>
+              <a:spcAft>
+                <a:spcPts val="0"/>
+              </a:spcAft>
+              <a:buSzPts val="5200"/>
+              <a:buNone/>
+            </a:pPr>
+            <a:r>
+              <a:rPr lang="en-US" sz="3200" b="1" dirty="0">
+                <a:solidFill>
+                  <a:schemeClr val="tx1"/>
+                </a:solidFill>
+                <a:latin typeface="Montserrat"/>
+                <a:ea typeface="Montserrat"/>
+                <a:cs typeface="Montserrat"/>
+                <a:sym typeface="Montserrat"/>
+              </a:rPr>
+              <a:t>THANK YOU</a:t>
+            </a:r>
+            <a:endParaRPr sz="3200" b="1" dirty="0">
+              <a:solidFill>
+                <a:schemeClr val="tx1"/>
+              </a:solidFill>
+              <a:latin typeface="Montserrat"/>
+              <a:ea typeface="Montserrat"/>
+              <a:cs typeface="Montserrat"/>
+              <a:sym typeface="Montserrat"/>
+            </a:endParaRPr>
+          </a:p>
+          <a:p>
+            <a:pPr marL="0" lvl="0" indent="0" algn="ctr" rtl="0">
+              <a:spcBef>
+                <a:spcPts val="0"/>
+              </a:spcBef>
+              <a:spcAft>
+                <a:spcPts val="0"/>
+              </a:spcAft>
+              <a:buSzPts val="5200"/>
+              <a:buNone/>
+            </a:pPr>
+            <a:endParaRPr sz="3200" b="1" dirty="0">
+              <a:solidFill>
+                <a:schemeClr val="tx1"/>
+              </a:solidFill>
+              <a:latin typeface="Montserrat"/>
+              <a:ea typeface="Montserrat"/>
+              <a:cs typeface="Montserrat"/>
+              <a:sym typeface="Montserrat"/>
+            </a:endParaRPr>
+          </a:p>
+        </p:txBody>
+      </p:sp>
+    </p:spTree>
+    <p:extLst>
+      <p:ext uri="{BB962C8B-B14F-4D97-AF65-F5344CB8AC3E}">
+        <p14:creationId xmlns:p14="http://schemas.microsoft.com/office/powerpoint/2010/main" val="2746993976"/>
+      </p:ext>
+    </p:extLst>
   </p:cSld>
   <p:clrMapOvr>
     <a:masterClrMapping/>
@@ -14320,7 +15000,7 @@
   <p:cSld>
     <p:spTree>
       <p:nvGrpSpPr>
-        <p:cNvPr id="1" name="Shape 59"/>
+        <p:cNvPr id="1" name=""/>
         <p:cNvGrpSpPr/>
         <p:nvPr/>
       </p:nvGrpSpPr>
@@ -14334,8 +15014,14 @@
       </p:grpSpPr>
       <p:sp>
         <p:nvSpPr>
-          <p:cNvPr id="60" name="Google Shape;60;p14"/>
-          <p:cNvSpPr txBox="1">
+          <p:cNvPr id="2" name="Title 1">
+            <a:extLst>
+              <a:ext uri="{FF2B5EF4-FFF2-40B4-BE49-F238E27FC236}">
+                <a16:creationId xmlns:a16="http://schemas.microsoft.com/office/drawing/2014/main" id="{0A8EB363-09E1-9F39-A088-85A1487F281A}"/>
+              </a:ext>
+            </a:extLst>
+          </p:cNvPr>
+          <p:cNvSpPr>
             <a:spLocks noGrp="1"/>
           </p:cNvSpPr>
           <p:nvPr>
@@ -14344,155 +15030,27 @@
         </p:nvSpPr>
         <p:spPr>
           <a:xfrm>
-            <a:off x="311700" y="-128693"/>
-            <a:ext cx="8520600" cy="819573"/>
+            <a:off x="311700" y="0"/>
+            <a:ext cx="8520600" cy="574625"/>
           </a:xfrm>
-          <a:prstGeom prst="rect">
-            <a:avLst/>
-          </a:prstGeom>
-          <a:noFill/>
-          <a:ln>
-            <a:noFill/>
-          </a:ln>
         </p:spPr>
         <p:txBody>
-          <a:bodyPr spcFirstLastPara="1" wrap="square" lIns="91425" tIns="91425" rIns="91425" bIns="91425" anchor="b" anchorCtr="0">
-            <a:noAutofit/>
-          </a:bodyPr>
+          <a:bodyPr/>
           <a:lstStyle/>
           <a:p>
-            <a:pPr marL="0" lvl="0" indent="0" algn="l" rtl="0">
-              <a:lnSpc>
-                <a:spcPct val="100000"/>
-              </a:lnSpc>
-              <a:spcBef>
-                <a:spcPts val="0"/>
-              </a:spcBef>
-              <a:spcAft>
-                <a:spcPts val="0"/>
-              </a:spcAft>
-              <a:buSzPts val="5200"/>
-              <a:buNone/>
-            </a:pPr>
-            <a:endParaRPr sz="3600" b="1" dirty="0">
-              <a:solidFill>
-                <a:schemeClr val="tx1"/>
-              </a:solidFill>
-              <a:latin typeface="Montserrat"/>
-              <a:ea typeface="Montserrat"/>
-              <a:cs typeface="Montserrat"/>
-              <a:sym typeface="Montserrat"/>
-            </a:endParaRPr>
-          </a:p>
-          <a:p>
-            <a:pPr marL="0" lvl="0" indent="0" algn="ctr" rtl="0">
-              <a:lnSpc>
-                <a:spcPct val="100000"/>
-              </a:lnSpc>
-              <a:spcBef>
-                <a:spcPts val="0"/>
-              </a:spcBef>
-              <a:spcAft>
-                <a:spcPts val="0"/>
-              </a:spcAft>
-              <a:buSzPts val="5200"/>
-              <a:buNone/>
-            </a:pPr>
-            <a:endParaRPr sz="3600" b="1" dirty="0">
-              <a:solidFill>
-                <a:schemeClr val="tx1"/>
-              </a:solidFill>
-              <a:latin typeface="Montserrat"/>
-              <a:ea typeface="Montserrat"/>
-              <a:cs typeface="Montserrat"/>
-              <a:sym typeface="Montserrat"/>
-            </a:endParaRPr>
-          </a:p>
-          <a:p>
-            <a:pPr marL="0" lvl="0" indent="0" algn="ctr" rtl="0">
-              <a:spcBef>
-                <a:spcPts val="0"/>
-              </a:spcBef>
-              <a:spcAft>
-                <a:spcPts val="0"/>
-              </a:spcAft>
-              <a:buSzPts val="5200"/>
-              <a:buNone/>
-            </a:pPr>
-            <a:br>
-              <a:rPr lang="en-US" sz="1600" b="1" dirty="0">
-                <a:solidFill>
-                  <a:schemeClr val="tx1"/>
-                </a:solidFill>
-                <a:latin typeface="Montserrat"/>
-                <a:ea typeface="Montserrat"/>
-                <a:cs typeface="Montserrat"/>
-                <a:sym typeface="Montserrat"/>
-              </a:rPr>
-            </a:br>
-            <a:br>
-              <a:rPr lang="en-US" sz="1600" b="1" dirty="0">
-                <a:solidFill>
-                  <a:schemeClr val="tx1"/>
-                </a:solidFill>
-                <a:latin typeface="Montserrat"/>
-                <a:ea typeface="Montserrat"/>
-                <a:cs typeface="Montserrat"/>
-                <a:sym typeface="Montserrat"/>
-              </a:rPr>
-            </a:br>
-            <a:br>
-              <a:rPr lang="en-US" sz="1600" b="1" dirty="0">
-                <a:solidFill>
-                  <a:schemeClr val="tx1"/>
-                </a:solidFill>
-                <a:latin typeface="Montserrat"/>
-                <a:ea typeface="Montserrat"/>
-                <a:cs typeface="Montserrat"/>
-                <a:sym typeface="Montserrat"/>
-              </a:rPr>
-            </a:br>
-            <a:br>
-              <a:rPr lang="en-US" sz="1600" b="1" dirty="0">
-                <a:solidFill>
-                  <a:schemeClr val="tx1"/>
-                </a:solidFill>
-                <a:latin typeface="Montserrat"/>
-                <a:ea typeface="Montserrat"/>
-                <a:cs typeface="Montserrat"/>
-                <a:sym typeface="Montserrat"/>
-              </a:rPr>
-            </a:br>
             <a:r>
-              <a:rPr lang="en-US" sz="1600" b="1" dirty="0">
-                <a:solidFill>
-                  <a:schemeClr val="tx1"/>
-                </a:solidFill>
-                <a:latin typeface="Montserrat"/>
-                <a:ea typeface="Montserrat"/>
-                <a:cs typeface="Montserrat"/>
-                <a:sym typeface="Montserrat"/>
-              </a:rPr>
-              <a:t>Frequency Distribution(Histogram Plot) of Churned vs Non Churned Users based Total Minutes users used during day, evening and night </a:t>
+              <a:rPr lang="en-IN" b="1" dirty="0"/>
+              <a:t>Problem Statements</a:t>
             </a:r>
-            <a:endParaRPr sz="1600" b="1" dirty="0">
-              <a:solidFill>
-                <a:schemeClr val="tx1"/>
-              </a:solidFill>
-              <a:latin typeface="Montserrat"/>
-              <a:ea typeface="Montserrat"/>
-              <a:cs typeface="Montserrat"/>
-              <a:sym typeface="Montserrat"/>
-            </a:endParaRPr>
           </a:p>
         </p:txBody>
       </p:sp>
       <p:sp>
         <p:nvSpPr>
-          <p:cNvPr id="2" name="Text Placeholder 1">
+          <p:cNvPr id="3" name="Text Placeholder 2">
             <a:extLst>
               <a:ext uri="{FF2B5EF4-FFF2-40B4-BE49-F238E27FC236}">
-                <a16:creationId xmlns:a16="http://schemas.microsoft.com/office/drawing/2014/main" id="{0F91004C-85BE-15A3-331B-0290D744BAAD}"/>
+                <a16:creationId xmlns:a16="http://schemas.microsoft.com/office/drawing/2014/main" id="{FF7DC315-FA4A-37F0-5F61-DE3AEC887BE9}"/>
               </a:ext>
             </a:extLst>
           </p:cNvPr>
@@ -14505,52 +15063,138 @@
         </p:nvSpPr>
         <p:spPr>
           <a:xfrm>
-            <a:off x="311700" y="806027"/>
-            <a:ext cx="8520600" cy="3762848"/>
+            <a:off x="311700" y="684107"/>
+            <a:ext cx="8520600" cy="3884768"/>
           </a:xfrm>
         </p:spPr>
         <p:txBody>
           <a:bodyPr/>
           <a:lstStyle/>
           <a:p>
-            <a:endParaRPr lang="en-IN" dirty="0"/>
+            <a:pPr>
+              <a:buClr>
+                <a:schemeClr val="accent3"/>
+              </a:buClr>
+              <a:buFont typeface="Arial" panose="020B0604020202020204" pitchFamily="34" charset="0"/>
+              <a:buChar char="•"/>
+            </a:pPr>
+            <a:r>
+              <a:rPr lang="en-IN" sz="2200" dirty="0">
+                <a:solidFill>
+                  <a:schemeClr val="accent3"/>
+                </a:solidFill>
+              </a:rPr>
+              <a:t>Do Churned user speaking more during any specific duration (Day, Evening or night) compared to Non Churned ?</a:t>
+            </a:r>
+          </a:p>
+          <a:p>
+            <a:pPr>
+              <a:buClr>
+                <a:schemeClr val="accent3"/>
+              </a:buClr>
+              <a:buFont typeface="Arial" panose="020B0604020202020204" pitchFamily="34" charset="0"/>
+              <a:buChar char="•"/>
+            </a:pPr>
+            <a:r>
+              <a:rPr lang="en-IN" sz="2200" dirty="0">
+                <a:solidFill>
+                  <a:schemeClr val="accent3"/>
+                </a:solidFill>
+              </a:rPr>
+              <a:t>Does the user calls at particular duration has any impact on his calls of other durations ?</a:t>
+            </a:r>
+          </a:p>
+          <a:p>
+            <a:pPr>
+              <a:buClr>
+                <a:schemeClr val="accent3"/>
+              </a:buClr>
+              <a:buFont typeface="Arial" panose="020B0604020202020204" pitchFamily="34" charset="0"/>
+              <a:buChar char="•"/>
+            </a:pPr>
+            <a:r>
+              <a:rPr lang="en-IN" sz="2200" dirty="0">
+                <a:solidFill>
+                  <a:schemeClr val="accent3"/>
+                </a:solidFill>
+              </a:rPr>
+              <a:t>Do Area has any significant impact on Churned users ?</a:t>
+            </a:r>
+          </a:p>
+          <a:p>
+            <a:pPr>
+              <a:buClr>
+                <a:schemeClr val="accent3"/>
+              </a:buClr>
+              <a:buFont typeface="Arial" panose="020B0604020202020204" pitchFamily="34" charset="0"/>
+              <a:buChar char="•"/>
+            </a:pPr>
+            <a:r>
+              <a:rPr lang="en-IN" sz="2200" dirty="0">
+                <a:solidFill>
+                  <a:schemeClr val="accent3"/>
+                </a:solidFill>
+              </a:rPr>
+              <a:t>Do State has any impact on Churned users ?</a:t>
+            </a:r>
+          </a:p>
+          <a:p>
+            <a:pPr>
+              <a:buClr>
+                <a:schemeClr val="accent3"/>
+              </a:buClr>
+              <a:buFont typeface="Arial" panose="020B0604020202020204" pitchFamily="34" charset="0"/>
+              <a:buChar char="•"/>
+            </a:pPr>
+            <a:r>
+              <a:rPr lang="en-IN" sz="2200" dirty="0">
+                <a:solidFill>
+                  <a:schemeClr val="accent3"/>
+                </a:solidFill>
+              </a:rPr>
+              <a:t>Did opting for International plan resulted in Churning of users ?</a:t>
+            </a:r>
+          </a:p>
+          <a:p>
+            <a:pPr>
+              <a:buClr>
+                <a:schemeClr val="accent3"/>
+              </a:buClr>
+              <a:buFont typeface="Arial" panose="020B0604020202020204" pitchFamily="34" charset="0"/>
+              <a:buChar char="•"/>
+            </a:pPr>
+            <a:r>
+              <a:rPr lang="en-IN" sz="2200" dirty="0">
+                <a:solidFill>
+                  <a:schemeClr val="accent3"/>
+                </a:solidFill>
+              </a:rPr>
+              <a:t>Did opting for Voicemail plan resulted in Churning of Users ?</a:t>
+            </a:r>
+          </a:p>
+          <a:p>
+            <a:pPr>
+              <a:buClr>
+                <a:schemeClr val="accent3"/>
+              </a:buClr>
+              <a:buFont typeface="Arial" panose="020B0604020202020204" pitchFamily="34" charset="0"/>
+              <a:buChar char="•"/>
+            </a:pPr>
+            <a:r>
+              <a:rPr lang="en-IN" sz="2200" dirty="0">
+                <a:solidFill>
+                  <a:schemeClr val="accent3"/>
+                </a:solidFill>
+              </a:rPr>
+              <a:t>Did customers making more service calls churned more than those who didn’t ?</a:t>
+            </a:r>
           </a:p>
         </p:txBody>
       </p:sp>
-      <p:pic>
-        <p:nvPicPr>
-          <p:cNvPr id="4" name="Picture 3">
-            <a:extLst>
-              <a:ext uri="{FF2B5EF4-FFF2-40B4-BE49-F238E27FC236}">
-                <a16:creationId xmlns:a16="http://schemas.microsoft.com/office/drawing/2014/main" id="{EA5A248D-524C-A3C8-8EA2-2ABD64F60510}"/>
-              </a:ext>
-            </a:extLst>
-          </p:cNvPr>
-          <p:cNvPicPr>
-            <a:picLocks noChangeAspect="1"/>
-          </p:cNvPicPr>
-          <p:nvPr/>
-        </p:nvPicPr>
-        <p:blipFill>
-          <a:blip r:embed="rId3"/>
-          <a:stretch>
-            <a:fillRect/>
-          </a:stretch>
-        </p:blipFill>
-        <p:spPr>
-          <a:xfrm>
-            <a:off x="311700" y="806027"/>
-            <a:ext cx="8581687" cy="3826934"/>
-          </a:xfrm>
-          <a:prstGeom prst="rect">
-            <a:avLst/>
-          </a:prstGeom>
-        </p:spPr>
-      </p:pic>
     </p:spTree>
     <p:extLst>
       <p:ext uri="{BB962C8B-B14F-4D97-AF65-F5344CB8AC3E}">
-        <p14:creationId xmlns:p14="http://schemas.microsoft.com/office/powerpoint/2010/main" val="3726265342"/>
+        <p14:creationId xmlns:p14="http://schemas.microsoft.com/office/powerpoint/2010/main" val="582508031"/>
       </p:ext>
     </p:extLst>
   </p:cSld>
@@ -14718,7 +15362,7 @@
                 <a:cs typeface="Montserrat"/>
                 <a:sym typeface="Montserrat"/>
               </a:rPr>
-              <a:t>Frequency Distribution(Histogram Plot) of Churned vs Non Churned Users based Total calls users made used during day, evening and night </a:t>
+              <a:t>Frequency Distribution(Histogram Plot) of Churned vs Non Churned Users based Total Minutes users used during day, evening and night </a:t>
             </a:r>
             <a:endParaRPr sz="1600" b="1" dirty="0">
               <a:solidFill>
@@ -14764,10 +15408,10 @@
       </p:sp>
       <p:pic>
         <p:nvPicPr>
-          <p:cNvPr id="5" name="Picture 4">
+          <p:cNvPr id="4" name="Picture 3">
             <a:extLst>
               <a:ext uri="{FF2B5EF4-FFF2-40B4-BE49-F238E27FC236}">
-                <a16:creationId xmlns:a16="http://schemas.microsoft.com/office/drawing/2014/main" id="{BE2F431B-2C68-A902-99C3-947E7C607131}"/>
+                <a16:creationId xmlns:a16="http://schemas.microsoft.com/office/drawing/2014/main" id="{EA5A248D-524C-A3C8-8EA2-2ABD64F60510}"/>
               </a:ext>
             </a:extLst>
           </p:cNvPr>
@@ -14784,8 +15428,8 @@
         </p:blipFill>
         <p:spPr>
           <a:xfrm>
-            <a:off x="311699" y="806027"/>
-            <a:ext cx="8574913" cy="3762848"/>
+            <a:off x="311700" y="806027"/>
+            <a:ext cx="8581687" cy="3826934"/>
           </a:xfrm>
           <a:prstGeom prst="rect">
             <a:avLst/>
@@ -14795,7 +15439,7 @@
     </p:spTree>
     <p:extLst>
       <p:ext uri="{BB962C8B-B14F-4D97-AF65-F5344CB8AC3E}">
-        <p14:creationId xmlns:p14="http://schemas.microsoft.com/office/powerpoint/2010/main" val="1741922666"/>
+        <p14:creationId xmlns:p14="http://schemas.microsoft.com/office/powerpoint/2010/main" val="3726265342"/>
       </p:ext>
     </p:extLst>
   </p:cSld>
@@ -14963,6 +15607,251 @@
                 <a:cs typeface="Montserrat"/>
                 <a:sym typeface="Montserrat"/>
               </a:rPr>
+              <a:t>Frequency Distribution(Histogram Plot) of Churned vs Non Churned Users based Total calls users made used during day, evening and night </a:t>
+            </a:r>
+            <a:endParaRPr sz="1600" b="1" dirty="0">
+              <a:solidFill>
+                <a:schemeClr val="tx1"/>
+              </a:solidFill>
+              <a:latin typeface="Montserrat"/>
+              <a:ea typeface="Montserrat"/>
+              <a:cs typeface="Montserrat"/>
+              <a:sym typeface="Montserrat"/>
+            </a:endParaRPr>
+          </a:p>
+        </p:txBody>
+      </p:sp>
+      <p:sp>
+        <p:nvSpPr>
+          <p:cNvPr id="2" name="Text Placeholder 1">
+            <a:extLst>
+              <a:ext uri="{FF2B5EF4-FFF2-40B4-BE49-F238E27FC236}">
+                <a16:creationId xmlns:a16="http://schemas.microsoft.com/office/drawing/2014/main" id="{0F91004C-85BE-15A3-331B-0290D744BAAD}"/>
+              </a:ext>
+            </a:extLst>
+          </p:cNvPr>
+          <p:cNvSpPr>
+            <a:spLocks noGrp="1"/>
+          </p:cNvSpPr>
+          <p:nvPr>
+            <p:ph type="body" idx="1"/>
+          </p:nvPr>
+        </p:nvSpPr>
+        <p:spPr>
+          <a:xfrm>
+            <a:off x="311700" y="806027"/>
+            <a:ext cx="8520600" cy="3762848"/>
+          </a:xfrm>
+        </p:spPr>
+        <p:txBody>
+          <a:bodyPr/>
+          <a:lstStyle/>
+          <a:p>
+            <a:endParaRPr lang="en-IN" dirty="0"/>
+          </a:p>
+        </p:txBody>
+      </p:sp>
+      <p:pic>
+        <p:nvPicPr>
+          <p:cNvPr id="5" name="Picture 4">
+            <a:extLst>
+              <a:ext uri="{FF2B5EF4-FFF2-40B4-BE49-F238E27FC236}">
+                <a16:creationId xmlns:a16="http://schemas.microsoft.com/office/drawing/2014/main" id="{BE2F431B-2C68-A902-99C3-947E7C607131}"/>
+              </a:ext>
+            </a:extLst>
+          </p:cNvPr>
+          <p:cNvPicPr>
+            <a:picLocks noChangeAspect="1"/>
+          </p:cNvPicPr>
+          <p:nvPr/>
+        </p:nvPicPr>
+        <p:blipFill>
+          <a:blip r:embed="rId3"/>
+          <a:stretch>
+            <a:fillRect/>
+          </a:stretch>
+        </p:blipFill>
+        <p:spPr>
+          <a:xfrm>
+            <a:off x="311699" y="806027"/>
+            <a:ext cx="8574913" cy="3762848"/>
+          </a:xfrm>
+          <a:prstGeom prst="rect">
+            <a:avLst/>
+          </a:prstGeom>
+        </p:spPr>
+      </p:pic>
+    </p:spTree>
+    <p:extLst>
+      <p:ext uri="{BB962C8B-B14F-4D97-AF65-F5344CB8AC3E}">
+        <p14:creationId xmlns:p14="http://schemas.microsoft.com/office/powerpoint/2010/main" val="1741922666"/>
+      </p:ext>
+    </p:extLst>
+  </p:cSld>
+  <p:clrMapOvr>
+    <a:masterClrMapping/>
+  </p:clrMapOvr>
+</p:sld>
+</file>
+
+<file path=ppt/slides/slide8.xml><?xml version="1.0" encoding="utf-8"?>
+<p:sld xmlns:a="http://schemas.openxmlformats.org/drawingml/2006/main" xmlns:r="http://schemas.openxmlformats.org/officeDocument/2006/relationships" xmlns:p="http://schemas.openxmlformats.org/presentationml/2006/main">
+  <p:cSld>
+    <p:spTree>
+      <p:nvGrpSpPr>
+        <p:cNvPr id="1" name="Shape 59"/>
+        <p:cNvGrpSpPr/>
+        <p:nvPr/>
+      </p:nvGrpSpPr>
+      <p:grpSpPr>
+        <a:xfrm>
+          <a:off x="0" y="0"/>
+          <a:ext cx="0" cy="0"/>
+          <a:chOff x="0" y="0"/>
+          <a:chExt cx="0" cy="0"/>
+        </a:xfrm>
+      </p:grpSpPr>
+      <p:sp>
+        <p:nvSpPr>
+          <p:cNvPr id="60" name="Google Shape;60;p14"/>
+          <p:cNvSpPr txBox="1">
+            <a:spLocks noGrp="1"/>
+          </p:cNvSpPr>
+          <p:nvPr>
+            <p:ph type="title"/>
+          </p:nvPr>
+        </p:nvSpPr>
+        <p:spPr>
+          <a:xfrm>
+            <a:off x="311700" y="-128693"/>
+            <a:ext cx="8520600" cy="819573"/>
+          </a:xfrm>
+          <a:prstGeom prst="rect">
+            <a:avLst/>
+          </a:prstGeom>
+          <a:noFill/>
+          <a:ln>
+            <a:noFill/>
+          </a:ln>
+        </p:spPr>
+        <p:txBody>
+          <a:bodyPr spcFirstLastPara="1" wrap="square" lIns="91425" tIns="91425" rIns="91425" bIns="91425" anchor="b" anchorCtr="0">
+            <a:noAutofit/>
+          </a:bodyPr>
+          <a:lstStyle/>
+          <a:p>
+            <a:pPr marL="0" lvl="0" indent="0" algn="l" rtl="0">
+              <a:lnSpc>
+                <a:spcPct val="100000"/>
+              </a:lnSpc>
+              <a:spcBef>
+                <a:spcPts val="0"/>
+              </a:spcBef>
+              <a:spcAft>
+                <a:spcPts val="0"/>
+              </a:spcAft>
+              <a:buSzPts val="5200"/>
+              <a:buNone/>
+            </a:pPr>
+            <a:endParaRPr sz="3600" b="1" dirty="0">
+              <a:solidFill>
+                <a:schemeClr val="tx1"/>
+              </a:solidFill>
+              <a:latin typeface="Montserrat"/>
+              <a:ea typeface="Montserrat"/>
+              <a:cs typeface="Montserrat"/>
+              <a:sym typeface="Montserrat"/>
+            </a:endParaRPr>
+          </a:p>
+          <a:p>
+            <a:pPr marL="0" lvl="0" indent="0" algn="ctr" rtl="0">
+              <a:lnSpc>
+                <a:spcPct val="100000"/>
+              </a:lnSpc>
+              <a:spcBef>
+                <a:spcPts val="0"/>
+              </a:spcBef>
+              <a:spcAft>
+                <a:spcPts val="0"/>
+              </a:spcAft>
+              <a:buSzPts val="5200"/>
+              <a:buNone/>
+            </a:pPr>
+            <a:endParaRPr sz="3600" b="1" dirty="0">
+              <a:solidFill>
+                <a:schemeClr val="tx1"/>
+              </a:solidFill>
+              <a:latin typeface="Montserrat"/>
+              <a:ea typeface="Montserrat"/>
+              <a:cs typeface="Montserrat"/>
+              <a:sym typeface="Montserrat"/>
+            </a:endParaRPr>
+          </a:p>
+          <a:p>
+            <a:pPr marL="0" lvl="0" indent="0" algn="ctr" rtl="0">
+              <a:spcBef>
+                <a:spcPts val="0"/>
+              </a:spcBef>
+              <a:spcAft>
+                <a:spcPts val="0"/>
+              </a:spcAft>
+              <a:buSzPts val="5200"/>
+              <a:buNone/>
+            </a:pPr>
+            <a:br>
+              <a:rPr lang="en-US" sz="1600" b="1" dirty="0">
+                <a:solidFill>
+                  <a:schemeClr val="tx1"/>
+                </a:solidFill>
+                <a:latin typeface="Montserrat"/>
+                <a:ea typeface="Montserrat"/>
+                <a:cs typeface="Montserrat"/>
+                <a:sym typeface="Montserrat"/>
+              </a:rPr>
+            </a:br>
+            <a:br>
+              <a:rPr lang="en-US" sz="1600" b="1" dirty="0">
+                <a:solidFill>
+                  <a:schemeClr val="tx1"/>
+                </a:solidFill>
+                <a:latin typeface="Montserrat"/>
+                <a:ea typeface="Montserrat"/>
+                <a:cs typeface="Montserrat"/>
+                <a:sym typeface="Montserrat"/>
+              </a:rPr>
+            </a:br>
+            <a:br>
+              <a:rPr lang="en-US" sz="1600" b="1" dirty="0">
+                <a:solidFill>
+                  <a:schemeClr val="tx1"/>
+                </a:solidFill>
+                <a:latin typeface="Montserrat"/>
+                <a:ea typeface="Montserrat"/>
+                <a:cs typeface="Montserrat"/>
+                <a:sym typeface="Montserrat"/>
+              </a:rPr>
+            </a:br>
+            <a:br>
+              <a:rPr lang="en-US" sz="1600" b="1" dirty="0">
+                <a:solidFill>
+                  <a:schemeClr val="tx1"/>
+                </a:solidFill>
+                <a:latin typeface="Montserrat"/>
+                <a:ea typeface="Montserrat"/>
+                <a:cs typeface="Montserrat"/>
+                <a:sym typeface="Montserrat"/>
+              </a:rPr>
+            </a:br>
+            <a:r>
+              <a:rPr lang="en-US" sz="1600" b="1" dirty="0">
+                <a:solidFill>
+                  <a:schemeClr val="tx1"/>
+                </a:solidFill>
+                <a:latin typeface="Montserrat"/>
+                <a:ea typeface="Montserrat"/>
+                <a:cs typeface="Montserrat"/>
+                <a:sym typeface="Montserrat"/>
+              </a:rPr>
               <a:t>Frequency Distribution(Histogram Plot) of Churned vs Non Churned Users based Total price users were charged used during day, evening and night </a:t>
             </a:r>
             <a:endParaRPr sz="1600" b="1" dirty="0">
@@ -15050,7 +15939,7 @@
 </p:sld>
 </file>
 
-<file path=ppt/slides/slide8.xml><?xml version="1.0" encoding="utf-8"?>
+<file path=ppt/slides/slide9.xml><?xml version="1.0" encoding="utf-8"?>
 <p:sld xmlns:a="http://schemas.openxmlformats.org/drawingml/2006/main" xmlns:r="http://schemas.openxmlformats.org/officeDocument/2006/relationships" xmlns:p="http://schemas.openxmlformats.org/presentationml/2006/main">
   <p:cSld>
     <p:spTree>
@@ -15316,249 +16205,6 @@
     <p:extLst>
       <p:ext uri="{BB962C8B-B14F-4D97-AF65-F5344CB8AC3E}">
         <p14:creationId xmlns:p14="http://schemas.microsoft.com/office/powerpoint/2010/main" val="393741436"/>
-      </p:ext>
-    </p:extLst>
-  </p:cSld>
-  <p:clrMapOvr>
-    <a:masterClrMapping/>
-  </p:clrMapOvr>
-</p:sld>
-</file>
-
-<file path=ppt/slides/slide9.xml><?xml version="1.0" encoding="utf-8"?>
-<p:sld xmlns:a="http://schemas.openxmlformats.org/drawingml/2006/main" xmlns:r="http://schemas.openxmlformats.org/officeDocument/2006/relationships" xmlns:p="http://schemas.openxmlformats.org/presentationml/2006/main">
-  <p:cSld>
-    <p:spTree>
-      <p:nvGrpSpPr>
-        <p:cNvPr id="1" name="Shape 59"/>
-        <p:cNvGrpSpPr/>
-        <p:nvPr/>
-      </p:nvGrpSpPr>
-      <p:grpSpPr>
-        <a:xfrm>
-          <a:off x="0" y="0"/>
-          <a:ext cx="0" cy="0"/>
-          <a:chOff x="0" y="0"/>
-          <a:chExt cx="0" cy="0"/>
-        </a:xfrm>
-      </p:grpSpPr>
-      <p:sp>
-        <p:nvSpPr>
-          <p:cNvPr id="60" name="Google Shape;60;p14"/>
-          <p:cNvSpPr txBox="1">
-            <a:spLocks noGrp="1"/>
-          </p:cNvSpPr>
-          <p:nvPr>
-            <p:ph type="title"/>
-          </p:nvPr>
-        </p:nvSpPr>
-        <p:spPr>
-          <a:prstGeom prst="rect">
-            <a:avLst/>
-          </a:prstGeom>
-          <a:noFill/>
-          <a:ln>
-            <a:noFill/>
-          </a:ln>
-        </p:spPr>
-        <p:txBody>
-          <a:bodyPr spcFirstLastPara="1" wrap="square" lIns="91425" tIns="91425" rIns="91425" bIns="91425" anchor="b" anchorCtr="0">
-            <a:noAutofit/>
-          </a:bodyPr>
-          <a:lstStyle/>
-          <a:p>
-            <a:pPr marL="0" lvl="0" indent="0" algn="l" rtl="0">
-              <a:lnSpc>
-                <a:spcPct val="100000"/>
-              </a:lnSpc>
-              <a:spcBef>
-                <a:spcPts val="0"/>
-              </a:spcBef>
-              <a:spcAft>
-                <a:spcPts val="0"/>
-              </a:spcAft>
-              <a:buSzPts val="5200"/>
-              <a:buNone/>
-            </a:pPr>
-            <a:endParaRPr sz="2400" b="1" dirty="0">
-              <a:solidFill>
-                <a:schemeClr val="lt1"/>
-              </a:solidFill>
-              <a:latin typeface="Montserrat"/>
-              <a:ea typeface="Montserrat"/>
-              <a:cs typeface="Montserrat"/>
-              <a:sym typeface="Montserrat"/>
-            </a:endParaRPr>
-          </a:p>
-          <a:p>
-            <a:pPr marL="0" lvl="0" indent="0" algn="ctr" rtl="0">
-              <a:lnSpc>
-                <a:spcPct val="100000"/>
-              </a:lnSpc>
-              <a:spcBef>
-                <a:spcPts val="0"/>
-              </a:spcBef>
-              <a:spcAft>
-                <a:spcPts val="0"/>
-              </a:spcAft>
-              <a:buSzPts val="5200"/>
-              <a:buNone/>
-            </a:pPr>
-            <a:endParaRPr sz="2400" b="1" dirty="0">
-              <a:solidFill>
-                <a:schemeClr val="lt1"/>
-              </a:solidFill>
-              <a:latin typeface="Montserrat"/>
-              <a:ea typeface="Montserrat"/>
-              <a:cs typeface="Montserrat"/>
-              <a:sym typeface="Montserrat"/>
-            </a:endParaRPr>
-          </a:p>
-          <a:p>
-            <a:pPr marL="0" lvl="0" indent="0" algn="ctr" rtl="0">
-              <a:spcBef>
-                <a:spcPts val="0"/>
-              </a:spcBef>
-              <a:spcAft>
-                <a:spcPts val="0"/>
-              </a:spcAft>
-              <a:buSzPts val="5200"/>
-              <a:buNone/>
-            </a:pPr>
-            <a:endParaRPr sz="2400" b="1" dirty="0">
-              <a:solidFill>
-                <a:schemeClr val="lt1"/>
-              </a:solidFill>
-              <a:latin typeface="Montserrat"/>
-              <a:ea typeface="Montserrat"/>
-              <a:cs typeface="Montserrat"/>
-              <a:sym typeface="Montserrat"/>
-            </a:endParaRPr>
-          </a:p>
-          <a:p>
-            <a:pPr marL="0" lvl="0" indent="0" algn="ctr" rtl="0">
-              <a:spcBef>
-                <a:spcPts val="0"/>
-              </a:spcBef>
-              <a:spcAft>
-                <a:spcPts val="0"/>
-              </a:spcAft>
-              <a:buSzPts val="5200"/>
-              <a:buNone/>
-            </a:pPr>
-            <a:r>
-              <a:rPr lang="en-US" sz="2400" b="1" dirty="0">
-                <a:solidFill>
-                  <a:schemeClr val="tx1"/>
-                </a:solidFill>
-                <a:latin typeface="Montserrat"/>
-                <a:ea typeface="Montserrat"/>
-                <a:cs typeface="Montserrat"/>
-                <a:sym typeface="Montserrat"/>
-              </a:rPr>
-              <a:t>Area Code Based Analysis</a:t>
-            </a:r>
-            <a:endParaRPr sz="2400" b="1" dirty="0">
-              <a:solidFill>
-                <a:schemeClr val="tx1"/>
-              </a:solidFill>
-              <a:latin typeface="Montserrat"/>
-              <a:ea typeface="Montserrat"/>
-              <a:cs typeface="Montserrat"/>
-              <a:sym typeface="Montserrat"/>
-            </a:endParaRPr>
-          </a:p>
-        </p:txBody>
-      </p:sp>
-      <p:sp>
-        <p:nvSpPr>
-          <p:cNvPr id="2" name="Text Placeholder 1">
-            <a:extLst>
-              <a:ext uri="{FF2B5EF4-FFF2-40B4-BE49-F238E27FC236}">
-                <a16:creationId xmlns:a16="http://schemas.microsoft.com/office/drawing/2014/main" id="{F46FBC8D-B97E-02F6-4661-E3112A5929A9}"/>
-              </a:ext>
-            </a:extLst>
-          </p:cNvPr>
-          <p:cNvSpPr>
-            <a:spLocks noGrp="1"/>
-          </p:cNvSpPr>
-          <p:nvPr>
-            <p:ph type="body" idx="1"/>
-          </p:nvPr>
-        </p:nvSpPr>
-        <p:spPr/>
-        <p:txBody>
-          <a:bodyPr/>
-          <a:lstStyle/>
-          <a:p>
-            <a:pPr marL="114300" indent="0">
-              <a:buNone/>
-            </a:pPr>
-            <a:r>
-              <a:rPr lang="en-US" dirty="0">
-                <a:solidFill>
-                  <a:schemeClr val="accent3"/>
-                </a:solidFill>
-              </a:rPr>
-              <a:t>We figured out from Data that there are total 3 Area Codes(415,408,510) to which users belongs to. To make analysis easier we created a nested python dictionary of the following type:</a:t>
-            </a:r>
-          </a:p>
-          <a:p>
-            <a:pPr marL="114300" indent="0">
-              <a:buNone/>
-            </a:pPr>
-            <a:endParaRPr lang="en-US" dirty="0">
-              <a:solidFill>
-                <a:schemeClr val="accent3"/>
-              </a:solidFill>
-            </a:endParaRPr>
-          </a:p>
-          <a:p>
-            <a:pPr marL="114300" indent="0">
-              <a:buNone/>
-            </a:pPr>
-            <a:endParaRPr lang="en-IN" dirty="0">
-              <a:solidFill>
-                <a:schemeClr val="accent3"/>
-              </a:solidFill>
-            </a:endParaRPr>
-          </a:p>
-        </p:txBody>
-      </p:sp>
-      <p:pic>
-        <p:nvPicPr>
-          <p:cNvPr id="4" name="Picture 3">
-            <a:extLst>
-              <a:ext uri="{FF2B5EF4-FFF2-40B4-BE49-F238E27FC236}">
-                <a16:creationId xmlns:a16="http://schemas.microsoft.com/office/drawing/2014/main" id="{74A7098B-B9FC-670A-93C0-AEBE7E69D217}"/>
-              </a:ext>
-            </a:extLst>
-          </p:cNvPr>
-          <p:cNvPicPr>
-            <a:picLocks noChangeAspect="1"/>
-          </p:cNvPicPr>
-          <p:nvPr/>
-        </p:nvPicPr>
-        <p:blipFill>
-          <a:blip r:embed="rId3"/>
-          <a:stretch>
-            <a:fillRect/>
-          </a:stretch>
-        </p:blipFill>
-        <p:spPr>
-          <a:xfrm>
-            <a:off x="995680" y="2424333"/>
-            <a:ext cx="6915573" cy="2286198"/>
-          </a:xfrm>
-          <a:prstGeom prst="rect">
-            <a:avLst/>
-          </a:prstGeom>
-        </p:spPr>
-      </p:pic>
-    </p:spTree>
-    <p:extLst>
-      <p:ext uri="{BB962C8B-B14F-4D97-AF65-F5344CB8AC3E}">
-        <p14:creationId xmlns:p14="http://schemas.microsoft.com/office/powerpoint/2010/main" val="110860667"/>
       </p:ext>
     </p:extLst>
   </p:cSld>
